--- a/lectures/08-Loglin2.pptx
+++ b/lectures/08-Loglin2.pptx
@@ -390,7 +390,7 @@
           <a:p>
             <a:fld id="{08BD4FA9-F3CE-45B3-A980-C331C6F1EF65}" type="datetimeFigureOut">
               <a:rPr lang="en-US" smtClean="0"/>
-              <a:t>12/5/2022</a:t>
+              <a:t>12/12/2022</a:t>
             </a:fld>
             <a:endParaRPr lang="en-US"/>
           </a:p>
@@ -555,7 +555,7 @@
           <a:p>
             <a:fld id="{C16FE993-EADB-4F9C-A20B-913B18CC7060}" type="datetimeFigureOut">
               <a:rPr lang="en-US" smtClean="0"/>
-              <a:t>12/5/2022</a:t>
+              <a:t>12/12/2022</a:t>
             </a:fld>
             <a:endParaRPr lang="en-US"/>
           </a:p>
@@ -1096,7 +1096,7 @@
           <a:p>
             <a:fld id="{EAAD3657-2200-4D14-82C0-10C39B0F0F06}" type="datetime1">
               <a:rPr lang="en-US" smtClean="0"/>
-              <a:t>12/5/2022</a:t>
+              <a:t>12/12/2022</a:t>
             </a:fld>
             <a:endParaRPr lang="en-US"/>
           </a:p>
@@ -1264,7 +1264,7 @@
           <a:p>
             <a:fld id="{11BBAF55-A85E-4993-914E-FC1E5AA7DF24}" type="datetime1">
               <a:rPr lang="en-US" smtClean="0"/>
-              <a:t>12/5/2022</a:t>
+              <a:t>12/12/2022</a:t>
             </a:fld>
             <a:endParaRPr lang="en-US"/>
           </a:p>
@@ -1442,7 +1442,7 @@
           <a:p>
             <a:fld id="{39816E07-E1DB-44A4-A5E5-9F4B54E8C933}" type="datetime1">
               <a:rPr lang="en-US" smtClean="0"/>
-              <a:t>12/5/2022</a:t>
+              <a:t>12/12/2022</a:t>
             </a:fld>
             <a:endParaRPr lang="en-US"/>
           </a:p>
@@ -1627,7 +1627,7 @@
           <a:p>
             <a:fld id="{C2B1AD17-B813-4477-8AFE-B1860CC59113}" type="datetime1">
               <a:rPr lang="en-US" smtClean="0"/>
-              <a:t>12/5/2022</a:t>
+              <a:t>12/12/2022</a:t>
             </a:fld>
             <a:endParaRPr lang="en-US"/>
           </a:p>
@@ -1872,7 +1872,7 @@
           <a:p>
             <a:fld id="{D0975C0D-5C9E-48CC-8D31-F42D19FA8F7A}" type="datetime1">
               <a:rPr lang="en-US" smtClean="0"/>
-              <a:t>12/5/2022</a:t>
+              <a:t>12/12/2022</a:t>
             </a:fld>
             <a:endParaRPr lang="en-US"/>
           </a:p>
@@ -2157,7 +2157,7 @@
           <a:p>
             <a:fld id="{28657551-0F2B-4F09-86FD-F7994CE83DC5}" type="datetime1">
               <a:rPr lang="en-US" smtClean="0"/>
-              <a:t>12/5/2022</a:t>
+              <a:t>12/12/2022</a:t>
             </a:fld>
             <a:endParaRPr lang="en-US"/>
           </a:p>
@@ -2576,7 +2576,7 @@
           <a:p>
             <a:fld id="{3929D2B2-4200-46B9-96C3-02A55D5FAA00}" type="datetime1">
               <a:rPr lang="en-US" smtClean="0"/>
-              <a:t>12/5/2022</a:t>
+              <a:t>12/12/2022</a:t>
             </a:fld>
             <a:endParaRPr lang="en-US"/>
           </a:p>
@@ -2693,7 +2693,7 @@
           <a:p>
             <a:fld id="{41FF7722-74E8-497F-A072-89677A2C2373}" type="datetime1">
               <a:rPr lang="en-US" smtClean="0"/>
-              <a:t>12/5/2022</a:t>
+              <a:t>12/12/2022</a:t>
             </a:fld>
             <a:endParaRPr lang="en-US"/>
           </a:p>
@@ -2788,7 +2788,7 @@
           <a:p>
             <a:fld id="{BD26212E-B46B-426F-AE59-AA326827D9E0}" type="datetime1">
               <a:rPr lang="en-US" smtClean="0"/>
-              <a:t>12/5/2022</a:t>
+              <a:t>12/12/2022</a:t>
             </a:fld>
             <a:endParaRPr lang="en-US"/>
           </a:p>
@@ -3063,7 +3063,7 @@
           <a:p>
             <a:fld id="{FB9B81E8-09EA-4684-A39F-38DE1E49D20C}" type="datetime1">
               <a:rPr lang="en-US" smtClean="0"/>
-              <a:t>12/5/2022</a:t>
+              <a:t>12/12/2022</a:t>
             </a:fld>
             <a:endParaRPr lang="en-US"/>
           </a:p>
@@ -3315,7 +3315,7 @@
           <a:p>
             <a:fld id="{35C5CC5F-056C-4047-9A5C-9F5B4BED129B}" type="datetime1">
               <a:rPr lang="en-US" smtClean="0"/>
-              <a:t>12/5/2022</a:t>
+              <a:t>12/12/2022</a:t>
             </a:fld>
             <a:endParaRPr lang="en-US"/>
           </a:p>
@@ -3529,7 +3529,7 @@
           <a:p>
             <a:fld id="{E8171053-07BD-4A17-AC24-0A22EAA36098}" type="datetime1">
               <a:rPr lang="en-US" smtClean="0"/>
-              <a:t>12/5/2022</a:t>
+              <a:t>12/12/2022</a:t>
             </a:fld>
             <a:endParaRPr lang="en-US"/>
           </a:p>
@@ -7651,6 +7651,18 @@
   <p:clrMapOvr>
     <a:masterClrMapping/>
   </p:clrMapOvr>
+  <mc:AlternateContent xmlns:mc="http://schemas.openxmlformats.org/markup-compatibility/2006">
+    <mc:Choice xmlns:p14="http://schemas.microsoft.com/office/powerpoint/2010/main" Requires="p14">
+      <p:transition spd="slow" p14:dur="2000">
+        <p14:prism isContent="1"/>
+      </p:transition>
+    </mc:Choice>
+    <mc:Fallback>
+      <p:transition spd="slow">
+        <p:fade/>
+      </p:transition>
+    </mc:Fallback>
+  </mc:AlternateContent>
   <p:timing>
     <p:tnLst>
       <p:par>
@@ -16249,6 +16261,18 @@
   <p:clrMapOvr>
     <a:masterClrMapping/>
   </p:clrMapOvr>
+  <mc:AlternateContent xmlns:mc="http://schemas.openxmlformats.org/markup-compatibility/2006">
+    <mc:Choice xmlns:p14="http://schemas.microsoft.com/office/powerpoint/2010/main" Requires="p14">
+      <p:transition spd="slow" p14:dur="2000">
+        <p14:prism isContent="1"/>
+      </p:transition>
+    </mc:Choice>
+    <mc:Fallback>
+      <p:transition spd="slow">
+        <p:fade/>
+      </p:transition>
+    </mc:Fallback>
+  </mc:AlternateContent>
 </p:sld>
 </file>
 
@@ -17336,13 +17360,37 @@
           <a:p>
             <a:r>
               <a:rPr lang="en-CA" sz="2400" dirty="0"/>
-              <a:t>Models for ordinal factors allow a more parsimonious description of association (linear association)</a:t>
-            </a:r>
-          </a:p>
-          <a:p>
+              <a:t>Models for </a:t>
+            </a:r>
+            <a:r>
+              <a:rPr lang="en-CA" sz="2400" dirty="0">
+                <a:solidFill>
+                  <a:srgbClr val="0070C0"/>
+                </a:solidFill>
+              </a:rPr>
+              <a:t>ordinal</a:t>
+            </a:r>
             <a:r>
               <a:rPr lang="en-CA" sz="2400" dirty="0"/>
-              <a:t>Specialized models for square tables provide more nuanced hypotheses (symmetry, quasi-symmetry)</a:t>
+              <a:t> factors allow a more parsimonious description of association (linear association)</a:t>
+            </a:r>
+          </a:p>
+          <a:p>
+            <a:r>
+              <a:rPr lang="en-CA" sz="2400" dirty="0"/>
+              <a:t>Specialized models for </a:t>
+            </a:r>
+            <a:r>
+              <a:rPr lang="en-CA" sz="2400" dirty="0">
+                <a:solidFill>
+                  <a:srgbClr val="0070C0"/>
+                </a:solidFill>
+              </a:rPr>
+              <a:t>square tables </a:t>
+            </a:r>
+            <a:r>
+              <a:rPr lang="en-CA" sz="2400" dirty="0"/>
+              <a:t>provide more nuanced hypotheses (symmetry, quasi-symmetry)</a:t>
             </a:r>
           </a:p>
           <a:p>
@@ -17354,7 +17402,19 @@
           <a:p>
             <a:r>
               <a:rPr lang="en-CA" sz="2400" dirty="0"/>
-              <a:t>Some of these extensions are more easily understood when loglinear models are re-cast in an equivalent but simpler or more general form (logit models)</a:t>
+              <a:t>Some of these extensions are more easily understood when loglinear models are re-cast in an equivalent but simpler or more general form (</a:t>
+            </a:r>
+            <a:r>
+              <a:rPr lang="en-CA" sz="2400" dirty="0">
+                <a:solidFill>
+                  <a:srgbClr val="0070C0"/>
+                </a:solidFill>
+              </a:rPr>
+              <a:t>logit models</a:t>
+            </a:r>
+            <a:r>
+              <a:rPr lang="en-CA" sz="2400" dirty="0"/>
+              <a:t>)</a:t>
             </a:r>
           </a:p>
         </p:txBody>
@@ -18493,6 +18553,18 @@
   <p:clrMapOvr>
     <a:masterClrMapping/>
   </p:clrMapOvr>
+  <mc:AlternateContent xmlns:mc="http://schemas.openxmlformats.org/markup-compatibility/2006">
+    <mc:Choice xmlns:p14="http://schemas.microsoft.com/office/powerpoint/2010/main" Requires="p14">
+      <p:transition spd="slow" p14:dur="2000">
+        <p14:prism isContent="1"/>
+      </p:transition>
+    </mc:Choice>
+    <mc:Fallback>
+      <p:transition spd="slow">
+        <p:fade/>
+      </p:transition>
+    </mc:Fallback>
+  </mc:AlternateContent>
   <p:timing>
     <p:tnLst>
       <p:par>
@@ -26095,6 +26167,72 @@
           </a:p>
         </p:txBody>
       </p:sp>
+      <p:pic>
+        <p:nvPicPr>
+          <p:cNvPr id="6" name="Picture 5">
+            <a:extLst>
+              <a:ext uri="{FF2B5EF4-FFF2-40B4-BE49-F238E27FC236}">
+                <a16:creationId xmlns:a16="http://schemas.microsoft.com/office/drawing/2014/main" id="{C43A3003-FF21-4D86-99E6-A661EB055203}"/>
+              </a:ext>
+            </a:extLst>
+          </p:cNvPr>
+          <p:cNvPicPr>
+            <a:picLocks noChangeAspect="1"/>
+          </p:cNvPicPr>
+          <p:nvPr/>
+        </p:nvPicPr>
+        <p:blipFill>
+          <a:blip r:embed="rId2"/>
+          <a:stretch>
+            <a:fillRect/>
+          </a:stretch>
+        </p:blipFill>
+        <p:spPr>
+          <a:xfrm>
+            <a:off x="521477" y="337235"/>
+            <a:ext cx="3784172" cy="3474720"/>
+          </a:xfrm>
+          <a:prstGeom prst="rect">
+            <a:avLst/>
+          </a:prstGeom>
+        </p:spPr>
+      </p:pic>
+      <p:pic>
+        <p:nvPicPr>
+          <p:cNvPr id="7" name="Picture 6" descr="Chart, line chart&#10;&#10;Description automatically generated">
+            <a:extLst>
+              <a:ext uri="{FF2B5EF4-FFF2-40B4-BE49-F238E27FC236}">
+                <a16:creationId xmlns:a16="http://schemas.microsoft.com/office/drawing/2014/main" id="{D90A6802-ED9D-46D7-9333-DB3045570EB4}"/>
+              </a:ext>
+            </a:extLst>
+          </p:cNvPr>
+          <p:cNvPicPr>
+            <a:picLocks noChangeAspect="1"/>
+          </p:cNvPicPr>
+          <p:nvPr/>
+        </p:nvPicPr>
+        <p:blipFill>
+          <a:blip r:embed="rId3">
+            <a:extLst>
+              <a:ext uri="{28A0092B-C50C-407E-A947-70E740481C1C}">
+                <a14:useLocalDpi xmlns:a14="http://schemas.microsoft.com/office/drawing/2010/main" val="0"/>
+              </a:ext>
+            </a:extLst>
+          </a:blip>
+          <a:stretch>
+            <a:fillRect/>
+          </a:stretch>
+        </p:blipFill>
+        <p:spPr>
+          <a:xfrm>
+            <a:off x="4870437" y="337235"/>
+            <a:ext cx="3474720" cy="3474720"/>
+          </a:xfrm>
+          <a:prstGeom prst="rect">
+            <a:avLst/>
+          </a:prstGeom>
+        </p:spPr>
+      </p:pic>
     </p:spTree>
     <p:extLst>
       <p:ext uri="{BB962C8B-B14F-4D97-AF65-F5344CB8AC3E}">
@@ -26105,6 +26243,18 @@
   <p:clrMapOvr>
     <a:masterClrMapping/>
   </p:clrMapOvr>
+  <mc:AlternateContent xmlns:mc="http://schemas.openxmlformats.org/markup-compatibility/2006">
+    <mc:Choice xmlns:p14="http://schemas.microsoft.com/office/powerpoint/2010/main" Requires="p14">
+      <p:transition spd="slow" p14:dur="2000">
+        <p14:prism isContent="1"/>
+      </p:transition>
+    </mc:Choice>
+    <mc:Fallback>
+      <p:transition spd="slow">
+        <p:fade/>
+      </p:transition>
+    </mc:Fallback>
+  </mc:AlternateContent>
 </p:sld>
 </file>
 

--- a/lectures/08-Loglin2.pptx
+++ b/lectures/08-Loglin2.pptx
@@ -390,7 +390,7 @@
           <a:p>
             <a:fld id="{08BD4FA9-F3CE-45B3-A980-C331C6F1EF65}" type="datetimeFigureOut">
               <a:rPr lang="en-US" smtClean="0"/>
-              <a:t>12/12/2022</a:t>
+              <a:t>12/15/2022</a:t>
             </a:fld>
             <a:endParaRPr lang="en-US"/>
           </a:p>
@@ -555,7 +555,7 @@
           <a:p>
             <a:fld id="{C16FE993-EADB-4F9C-A20B-913B18CC7060}" type="datetimeFigureOut">
               <a:rPr lang="en-US" smtClean="0"/>
-              <a:t>12/12/2022</a:t>
+              <a:t>12/15/2022</a:t>
             </a:fld>
             <a:endParaRPr lang="en-US"/>
           </a:p>
@@ -1096,7 +1096,7 @@
           <a:p>
             <a:fld id="{EAAD3657-2200-4D14-82C0-10C39B0F0F06}" type="datetime1">
               <a:rPr lang="en-US" smtClean="0"/>
-              <a:t>12/12/2022</a:t>
+              <a:t>12/15/2022</a:t>
             </a:fld>
             <a:endParaRPr lang="en-US"/>
           </a:p>
@@ -1264,7 +1264,7 @@
           <a:p>
             <a:fld id="{11BBAF55-A85E-4993-914E-FC1E5AA7DF24}" type="datetime1">
               <a:rPr lang="en-US" smtClean="0"/>
-              <a:t>12/12/2022</a:t>
+              <a:t>12/15/2022</a:t>
             </a:fld>
             <a:endParaRPr lang="en-US"/>
           </a:p>
@@ -1442,7 +1442,7 @@
           <a:p>
             <a:fld id="{39816E07-E1DB-44A4-A5E5-9F4B54E8C933}" type="datetime1">
               <a:rPr lang="en-US" smtClean="0"/>
-              <a:t>12/12/2022</a:t>
+              <a:t>12/15/2022</a:t>
             </a:fld>
             <a:endParaRPr lang="en-US"/>
           </a:p>
@@ -1627,7 +1627,7 @@
           <a:p>
             <a:fld id="{C2B1AD17-B813-4477-8AFE-B1860CC59113}" type="datetime1">
               <a:rPr lang="en-US" smtClean="0"/>
-              <a:t>12/12/2022</a:t>
+              <a:t>12/15/2022</a:t>
             </a:fld>
             <a:endParaRPr lang="en-US"/>
           </a:p>
@@ -1872,7 +1872,7 @@
           <a:p>
             <a:fld id="{D0975C0D-5C9E-48CC-8D31-F42D19FA8F7A}" type="datetime1">
               <a:rPr lang="en-US" smtClean="0"/>
-              <a:t>12/12/2022</a:t>
+              <a:t>12/15/2022</a:t>
             </a:fld>
             <a:endParaRPr lang="en-US"/>
           </a:p>
@@ -2157,7 +2157,7 @@
           <a:p>
             <a:fld id="{28657551-0F2B-4F09-86FD-F7994CE83DC5}" type="datetime1">
               <a:rPr lang="en-US" smtClean="0"/>
-              <a:t>12/12/2022</a:t>
+              <a:t>12/15/2022</a:t>
             </a:fld>
             <a:endParaRPr lang="en-US"/>
           </a:p>
@@ -2576,7 +2576,7 @@
           <a:p>
             <a:fld id="{3929D2B2-4200-46B9-96C3-02A55D5FAA00}" type="datetime1">
               <a:rPr lang="en-US" smtClean="0"/>
-              <a:t>12/12/2022</a:t>
+              <a:t>12/15/2022</a:t>
             </a:fld>
             <a:endParaRPr lang="en-US"/>
           </a:p>
@@ -2693,7 +2693,7 @@
           <a:p>
             <a:fld id="{41FF7722-74E8-497F-A072-89677A2C2373}" type="datetime1">
               <a:rPr lang="en-US" smtClean="0"/>
-              <a:t>12/12/2022</a:t>
+              <a:t>12/15/2022</a:t>
             </a:fld>
             <a:endParaRPr lang="en-US"/>
           </a:p>
@@ -2788,7 +2788,7 @@
           <a:p>
             <a:fld id="{BD26212E-B46B-426F-AE59-AA326827D9E0}" type="datetime1">
               <a:rPr lang="en-US" smtClean="0"/>
-              <a:t>12/12/2022</a:t>
+              <a:t>12/15/2022</a:t>
             </a:fld>
             <a:endParaRPr lang="en-US"/>
           </a:p>
@@ -3063,7 +3063,7 @@
           <a:p>
             <a:fld id="{FB9B81E8-09EA-4684-A39F-38DE1E49D20C}" type="datetime1">
               <a:rPr lang="en-US" smtClean="0"/>
-              <a:t>12/12/2022</a:t>
+              <a:t>12/15/2022</a:t>
             </a:fld>
             <a:endParaRPr lang="en-US"/>
           </a:p>
@@ -3315,7 +3315,7 @@
           <a:p>
             <a:fld id="{35C5CC5F-056C-4047-9A5C-9F5B4BED129B}" type="datetime1">
               <a:rPr lang="en-US" smtClean="0"/>
-              <a:t>12/12/2022</a:t>
+              <a:t>12/15/2022</a:t>
             </a:fld>
             <a:endParaRPr lang="en-US"/>
           </a:p>
@@ -3529,7 +3529,7 @@
           <a:p>
             <a:fld id="{E8171053-07BD-4A17-AC24-0A22EAA36098}" type="datetime1">
               <a:rPr lang="en-US" smtClean="0"/>
-              <a:t>12/12/2022</a:t>
+              <a:t>12/15/2022</a:t>
             </a:fld>
             <a:endParaRPr lang="en-US"/>
           </a:p>
@@ -6742,7 +6742,7 @@
         <p:spPr>
           <a:xfrm>
             <a:off x="457200" y="533400"/>
-            <a:ext cx="8229600" cy="923330"/>
+            <a:ext cx="8229600" cy="830997"/>
           </a:xfrm>
           <a:prstGeom prst="rect">
             <a:avLst/>
@@ -6762,63 +6762,105 @@
           <a:lstStyle/>
           <a:p>
             <a:r>
-              <a:rPr lang="en-CA" dirty="0" err="1"/>
+              <a:rPr lang="en-CA" sz="1600" dirty="0" err="1">
+                <a:latin typeface="Courier New" panose="02070309020205020404" pitchFamily="49" charset="0"/>
+                <a:cs typeface="Courier New" panose="02070309020205020404" pitchFamily="49" charset="0"/>
+              </a:rPr>
               <a:t>ggplot</a:t>
             </a:r>
             <a:r>
-              <a:rPr lang="en-CA" dirty="0"/>
+              <a:rPr lang="en-CA" sz="1600" dirty="0">
+                <a:latin typeface="Courier New" panose="02070309020205020404" pitchFamily="49" charset="0"/>
+                <a:cs typeface="Courier New" panose="02070309020205020404" pitchFamily="49" charset="0"/>
+              </a:rPr>
               <a:t>(pred2, </a:t>
             </a:r>
             <a:r>
-              <a:rPr lang="en-CA" dirty="0" err="1"/>
+              <a:rPr lang="en-CA" sz="1600" dirty="0" err="1">
+                <a:latin typeface="Courier New" panose="02070309020205020404" pitchFamily="49" charset="0"/>
+                <a:cs typeface="Courier New" panose="02070309020205020404" pitchFamily="49" charset="0"/>
+              </a:rPr>
               <a:t>aes</a:t>
             </a:r>
             <a:r>
-              <a:rPr lang="en-CA" dirty="0"/>
+              <a:rPr lang="en-CA" sz="1600" dirty="0">
+                <a:latin typeface="Courier New" panose="02070309020205020404" pitchFamily="49" charset="0"/>
+                <a:cs typeface="Courier New" panose="02070309020205020404" pitchFamily="49" charset="0"/>
+              </a:rPr>
               <a:t>(x=Dept, y=fit, group=Gender, color=Gender)) +</a:t>
             </a:r>
           </a:p>
           <a:p>
             <a:r>
-              <a:rPr lang="en-CA" dirty="0"/>
+              <a:rPr lang="en-CA" sz="1600" dirty="0">
+                <a:latin typeface="Courier New" panose="02070309020205020404" pitchFamily="49" charset="0"/>
+                <a:cs typeface="Courier New" panose="02070309020205020404" pitchFamily="49" charset="0"/>
+              </a:rPr>
               <a:t>  </a:t>
             </a:r>
             <a:r>
-              <a:rPr lang="en-CA" dirty="0" err="1"/>
+              <a:rPr lang="en-CA" sz="1600" dirty="0" err="1">
+                <a:latin typeface="Courier New" panose="02070309020205020404" pitchFamily="49" charset="0"/>
+                <a:cs typeface="Courier New" panose="02070309020205020404" pitchFamily="49" charset="0"/>
+              </a:rPr>
               <a:t>geom_line</a:t>
             </a:r>
             <a:r>
-              <a:rPr lang="en-CA" dirty="0"/>
+              <a:rPr lang="en-CA" sz="1600" dirty="0">
+                <a:latin typeface="Courier New" panose="02070309020205020404" pitchFamily="49" charset="0"/>
+                <a:cs typeface="Courier New" panose="02070309020205020404" pitchFamily="49" charset="0"/>
+              </a:rPr>
               <a:t>(size=1.4) +</a:t>
             </a:r>
           </a:p>
           <a:p>
             <a:r>
-              <a:rPr lang="en-CA" dirty="0"/>
+              <a:rPr lang="en-CA" sz="1600" dirty="0">
+                <a:latin typeface="Courier New" panose="02070309020205020404" pitchFamily="49" charset="0"/>
+                <a:cs typeface="Courier New" panose="02070309020205020404" pitchFamily="49" charset="0"/>
+              </a:rPr>
               <a:t>  </a:t>
             </a:r>
             <a:r>
-              <a:rPr lang="en-CA" dirty="0" err="1"/>
+              <a:rPr lang="en-CA" sz="1600" dirty="0" err="1">
+                <a:latin typeface="Courier New" panose="02070309020205020404" pitchFamily="49" charset="0"/>
+                <a:cs typeface="Courier New" panose="02070309020205020404" pitchFamily="49" charset="0"/>
+              </a:rPr>
               <a:t>geom_point</a:t>
             </a:r>
             <a:r>
-              <a:rPr lang="en-CA" dirty="0"/>
+              <a:rPr lang="en-CA" sz="1600" dirty="0">
+                <a:latin typeface="Courier New" panose="02070309020205020404" pitchFamily="49" charset="0"/>
+                <a:cs typeface="Courier New" panose="02070309020205020404" pitchFamily="49" charset="0"/>
+              </a:rPr>
               <a:t>(</a:t>
             </a:r>
             <a:r>
-              <a:rPr lang="en-CA" dirty="0" err="1"/>
+              <a:rPr lang="en-CA" sz="1600" dirty="0" err="1">
+                <a:latin typeface="Courier New" panose="02070309020205020404" pitchFamily="49" charset="0"/>
+                <a:cs typeface="Courier New" panose="02070309020205020404" pitchFamily="49" charset="0"/>
+              </a:rPr>
               <a:t>aes</a:t>
             </a:r>
             <a:r>
-              <a:rPr lang="en-CA" dirty="0"/>
+              <a:rPr lang="en-CA" sz="1600" dirty="0">
+                <a:latin typeface="Courier New" panose="02070309020205020404" pitchFamily="49" charset="0"/>
+                <a:cs typeface="Courier New" panose="02070309020205020404" pitchFamily="49" charset="0"/>
+              </a:rPr>
               <a:t>(y=</a:t>
             </a:r>
             <a:r>
-              <a:rPr lang="en-CA" dirty="0" err="1"/>
+              <a:rPr lang="en-CA" sz="1600" dirty="0" err="1">
+                <a:latin typeface="Courier New" panose="02070309020205020404" pitchFamily="49" charset="0"/>
+                <a:cs typeface="Courier New" panose="02070309020205020404" pitchFamily="49" charset="0"/>
+              </a:rPr>
               <a:t>obs</a:t>
             </a:r>
             <a:r>
-              <a:rPr lang="en-CA" dirty="0"/>
+              <a:rPr lang="en-CA" sz="1600" dirty="0">
+                <a:latin typeface="Courier New" panose="02070309020205020404" pitchFamily="49" charset="0"/>
+                <a:cs typeface="Courier New" panose="02070309020205020404" pitchFamily="49" charset="0"/>
+              </a:rPr>
               <a:t>), size=3) + …</a:t>
             </a:r>
           </a:p>
@@ -7651,13 +7693,13 @@
   <p:clrMapOvr>
     <a:masterClrMapping/>
   </p:clrMapOvr>
-  <mc:AlternateContent xmlns:mc="http://schemas.openxmlformats.org/markup-compatibility/2006">
-    <mc:Choice xmlns:p14="http://schemas.microsoft.com/office/powerpoint/2010/main" Requires="p14">
+  <mc:AlternateContent xmlns:mc="http://schemas.openxmlformats.org/markup-compatibility/2006" xmlns:p14="http://schemas.microsoft.com/office/powerpoint/2010/main">
+    <mc:Choice Requires="p14">
       <p:transition spd="slow" p14:dur="2000">
         <p14:prism isContent="1"/>
       </p:transition>
     </mc:Choice>
-    <mc:Fallback>
+    <mc:Fallback xmlns="">
       <p:transition spd="slow">
         <p:fade/>
       </p:transition>
@@ -16261,13 +16303,13 @@
   <p:clrMapOvr>
     <a:masterClrMapping/>
   </p:clrMapOvr>
-  <mc:AlternateContent xmlns:mc="http://schemas.openxmlformats.org/markup-compatibility/2006">
-    <mc:Choice xmlns:p14="http://schemas.microsoft.com/office/powerpoint/2010/main" Requires="p14">
+  <mc:AlternateContent xmlns:mc="http://schemas.openxmlformats.org/markup-compatibility/2006" xmlns:p14="http://schemas.microsoft.com/office/powerpoint/2010/main">
+    <mc:Choice Requires="p14">
       <p:transition spd="slow" p14:dur="2000">
         <p14:prism isContent="1"/>
       </p:transition>
     </mc:Choice>
-    <mc:Fallback>
+    <mc:Fallback xmlns="">
       <p:transition spd="slow">
         <p:fade/>
       </p:transition>
@@ -18553,13 +18595,13 @@
   <p:clrMapOvr>
     <a:masterClrMapping/>
   </p:clrMapOvr>
-  <mc:AlternateContent xmlns:mc="http://schemas.openxmlformats.org/markup-compatibility/2006">
-    <mc:Choice xmlns:p14="http://schemas.microsoft.com/office/powerpoint/2010/main" Requires="p14">
+  <mc:AlternateContent xmlns:mc="http://schemas.openxmlformats.org/markup-compatibility/2006" xmlns:p14="http://schemas.microsoft.com/office/powerpoint/2010/main">
+    <mc:Choice Requires="p14">
       <p:transition spd="slow" p14:dur="2000">
         <p14:prism isContent="1"/>
       </p:transition>
     </mc:Choice>
-    <mc:Fallback>
+    <mc:Fallback xmlns="">
       <p:transition spd="slow">
         <p:fade/>
       </p:transition>
@@ -26243,13 +26285,13 @@
   <p:clrMapOvr>
     <a:masterClrMapping/>
   </p:clrMapOvr>
-  <mc:AlternateContent xmlns:mc="http://schemas.openxmlformats.org/markup-compatibility/2006">
-    <mc:Choice xmlns:p14="http://schemas.microsoft.com/office/powerpoint/2010/main" Requires="p14">
+  <mc:AlternateContent xmlns:mc="http://schemas.openxmlformats.org/markup-compatibility/2006" xmlns:p14="http://schemas.microsoft.com/office/powerpoint/2010/main">
+    <mc:Choice Requires="p14">
       <p:transition spd="slow" p14:dur="2000">
         <p14:prism isContent="1"/>
       </p:transition>
     </mc:Choice>
-    <mc:Fallback>
+    <mc:Fallback xmlns="">
       <p:transition spd="slow">
         <p:fade/>
       </p:transition>

--- a/lectures/08-Loglin2.pptx
+++ b/lectures/08-Loglin2.pptx
@@ -5719,7 +5719,7 @@
         <p:spPr>
           <a:xfrm>
             <a:off x="609600" y="609600"/>
-            <a:ext cx="7848600" cy="369332"/>
+            <a:ext cx="7848600" cy="461665"/>
           </a:xfrm>
           <a:prstGeom prst="rect">
             <a:avLst/>
@@ -5733,7 +5733,7 @@
           <a:lstStyle/>
           <a:p>
             <a:r>
-              <a:rPr lang="en-CA" dirty="0"/>
+              <a:rPr lang="en-CA" sz="2400" dirty="0"/>
               <a:t>What does the mosaic plot tell us?</a:t>
             </a:r>
           </a:p>
@@ -6347,7 +6347,7 @@
         <p:spPr>
           <a:xfrm>
             <a:off x="457200" y="1295400"/>
-            <a:ext cx="8229600" cy="923330"/>
+            <a:ext cx="8229600" cy="1015663"/>
           </a:xfrm>
           <a:prstGeom prst="rect">
             <a:avLst/>
@@ -6360,21 +6360,49 @@
           </a:bodyPr>
           <a:lstStyle/>
           <a:p>
-            <a:r>
-              <a:rPr lang="en-CA" dirty="0"/>
+            <a:pPr marL="342900" indent="-342900">
+              <a:buFont typeface="Arial" panose="020B0604020202020204" pitchFamily="34" charset="0"/>
+              <a:buChar char="•"/>
+            </a:pPr>
+            <a:r>
+              <a:rPr lang="en-CA" sz="2000" dirty="0"/>
               <a:t>Logit models are easier to interpret because there are fewer parameters</a:t>
             </a:r>
           </a:p>
           <a:p>
-            <a:r>
-              <a:rPr lang="en-CA" dirty="0"/>
+            <a:pPr marL="342900" indent="-342900">
+              <a:buFont typeface="Arial" panose="020B0604020202020204" pitchFamily="34" charset="0"/>
+              <a:buChar char="•"/>
+            </a:pPr>
+            <a:r>
+              <a:rPr lang="en-CA" sz="2000" dirty="0"/>
               <a:t>Easiest to interpret from plots of the fitted &amp; observed odds</a:t>
             </a:r>
           </a:p>
           <a:p>
-            <a:r>
-              <a:rPr lang="en-CA" dirty="0"/>
-              <a:t>Get these using the predict() method for the model</a:t>
+            <a:pPr marL="342900" indent="-342900">
+              <a:buFont typeface="Arial" panose="020B0604020202020204" pitchFamily="34" charset="0"/>
+              <a:buChar char="•"/>
+            </a:pPr>
+            <a:r>
+              <a:rPr lang="en-CA" sz="2000" dirty="0"/>
+              <a:t>Get these using the </a:t>
+            </a:r>
+            <a:r>
+              <a:rPr lang="en-CA" sz="2000" b="1" dirty="0">
+                <a:solidFill>
+                  <a:schemeClr val="accent6">
+                    <a:lumMod val="50000"/>
+                  </a:schemeClr>
+                </a:solidFill>
+                <a:latin typeface="Courier New" panose="02070309020205020404" pitchFamily="49" charset="0"/>
+                <a:cs typeface="Courier New" panose="02070309020205020404" pitchFamily="49" charset="0"/>
+              </a:rPr>
+              <a:t>predict() </a:t>
+            </a:r>
+            <a:r>
+              <a:rPr lang="en-CA" sz="2000" dirty="0"/>
+              <a:t>method for the model</a:t>
             </a:r>
           </a:p>
         </p:txBody>
@@ -6810,7 +6838,7 @@
                 <a:latin typeface="Courier New" panose="02070309020205020404" pitchFamily="49" charset="0"/>
                 <a:cs typeface="Courier New" panose="02070309020205020404" pitchFamily="49" charset="0"/>
               </a:rPr>
-              <a:t>(size=1.4) +</a:t>
+              <a:t>(linewidth=1.4) +</a:t>
             </a:r>
           </a:p>
           <a:p>
@@ -8074,38 +8102,76 @@
               <a:rPr lang="en-CA" dirty="0">
                 <a:sym typeface="Symbol" panose="05050102010706020507" pitchFamily="18" charset="2"/>
               </a:rPr>
-              <a:t> greater power to detect</a:t>
-            </a:r>
-          </a:p>
-          <a:p>
+              <a:t> greater </a:t>
+            </a:r>
+            <a:r>
+              <a:rPr lang="en-CA" dirty="0">
+                <a:solidFill>
+                  <a:srgbClr val="0070C0"/>
+                </a:solidFill>
+                <a:sym typeface="Symbol" panose="05050102010706020507" pitchFamily="18" charset="2"/>
+              </a:rPr>
+              <a:t>power</a:t>
+            </a:r>
             <a:r>
               <a:rPr lang="en-CA" dirty="0">
                 <a:sym typeface="Symbol" panose="05050102010706020507" pitchFamily="18" charset="2"/>
               </a:rPr>
-              <a:t>Use fewer </a:t>
-            </a:r>
-            <a:r>
-              <a:rPr lang="en-CA" dirty="0" err="1">
-                <a:sym typeface="Symbol" panose="05050102010706020507" pitchFamily="18" charset="2"/>
-              </a:rPr>
-              <a:t>df</a:t>
-            </a:r>
+              <a:t> to detect</a:t>
+            </a:r>
+          </a:p>
+          <a:p>
             <a:r>
               <a:rPr lang="en-CA" dirty="0">
                 <a:sym typeface="Symbol" panose="05050102010706020507" pitchFamily="18" charset="2"/>
               </a:rPr>
-              <a:t>  can fit different models between independence [A][B] and saturated [AB]</a:t>
-            </a:r>
-          </a:p>
-          <a:p>
+              <a:t>Use </a:t>
+            </a:r>
+            <a:r>
+              <a:rPr lang="en-CA" dirty="0">
+                <a:solidFill>
+                  <a:srgbClr val="0070C0"/>
+                </a:solidFill>
+                <a:sym typeface="Symbol" panose="05050102010706020507" pitchFamily="18" charset="2"/>
+              </a:rPr>
+              <a:t>fewer </a:t>
+            </a:r>
+            <a:r>
+              <a:rPr lang="en-CA" dirty="0" err="1">
+                <a:solidFill>
+                  <a:srgbClr val="0070C0"/>
+                </a:solidFill>
+                <a:sym typeface="Symbol" panose="05050102010706020507" pitchFamily="18" charset="2"/>
+              </a:rPr>
+              <a:t>df</a:t>
+            </a:r>
+            <a:r>
+              <a:rPr lang="en-CA" dirty="0">
+                <a:solidFill>
+                  <a:srgbClr val="0070C0"/>
+                </a:solidFill>
+                <a:sym typeface="Symbol" panose="05050102010706020507" pitchFamily="18" charset="2"/>
+              </a:rPr>
+              <a:t> </a:t>
+            </a:r>
             <a:r>
               <a:rPr lang="en-CA" dirty="0">
                 <a:sym typeface="Symbol" panose="05050102010706020507" pitchFamily="18" charset="2"/>
               </a:rPr>
+              <a:t> can fit different models between independence [A][B] and saturated [AB]</a:t>
+            </a:r>
+          </a:p>
+          <a:p>
+            <a:pPr lvl="1"/>
+            <a:r>
+              <a:rPr lang="en-CA" dirty="0">
+                <a:sym typeface="Symbol" panose="05050102010706020507" pitchFamily="18" charset="2"/>
+              </a:rPr>
               <a:t>Fewer parameters  easier interpretation</a:t>
             </a:r>
           </a:p>
           <a:p>
+            <a:pPr lvl="1"/>
             <a:r>
               <a:rPr lang="en-CA" dirty="0">
                 <a:sym typeface="Symbol" panose="05050102010706020507" pitchFamily="18" charset="2"/>
@@ -8772,10 +8838,10 @@
       </p:sp>
       <p:grpSp>
         <p:nvGrpSpPr>
-          <p:cNvPr id="4" name="Group 3">
-            <a:extLst>
-              <a:ext uri="{FF2B5EF4-FFF2-40B4-BE49-F238E27FC236}">
-                <a16:creationId xmlns:a16="http://schemas.microsoft.com/office/drawing/2014/main" id="{EA1E1C33-3E64-6F92-765A-38B83BFC732A}"/>
+          <p:cNvPr id="27" name="Group 26">
+            <a:extLst>
+              <a:ext uri="{FF2B5EF4-FFF2-40B4-BE49-F238E27FC236}">
+                <a16:creationId xmlns:a16="http://schemas.microsoft.com/office/drawing/2014/main" id="{C82E57F5-0786-46D1-B35D-F33C3B54D38A}"/>
               </a:ext>
             </a:extLst>
           </p:cNvPr>
@@ -8786,7 +8852,7 @@
           <a:xfrm>
             <a:off x="491616" y="2202425"/>
             <a:ext cx="8328025" cy="3719513"/>
-            <a:chOff x="609600" y="914400"/>
+            <a:chOff x="491616" y="2202425"/>
             <a:chExt cx="8328025" cy="3719513"/>
           </a:xfrm>
         </p:grpSpPr>
@@ -8804,7 +8870,7 @@
           </p:nvSpPr>
           <p:spPr>
             <a:xfrm>
-              <a:off x="2051050" y="2708275"/>
+              <a:off x="1933066" y="3996300"/>
               <a:ext cx="1225550" cy="523875"/>
             </a:xfrm>
             <a:prstGeom prst="rect">
@@ -8816,10 +8882,11 @@
                 <a:lumOff val="80000"/>
               </a:schemeClr>
             </a:solidFill>
-            <a:ln>
+            <a:ln w="15875">
               <a:solidFill>
-                <a:schemeClr val="bg1">
-                  <a:lumMod val="75000"/>
+                <a:schemeClr val="accent1">
+                  <a:shade val="95000"/>
+                  <a:satMod val="105000"/>
                 </a:schemeClr>
               </a:solidFill>
             </a:ln>
@@ -8862,7 +8929,7 @@
           </p:nvSpPr>
           <p:spPr>
             <a:xfrm>
-              <a:off x="3779838" y="1341438"/>
+              <a:off x="3661854" y="2629463"/>
               <a:ext cx="792162" cy="522287"/>
             </a:xfrm>
             <a:prstGeom prst="rect">
@@ -8874,10 +8941,11 @@
                 <a:lumOff val="80000"/>
               </a:schemeClr>
             </a:solidFill>
-            <a:ln>
+            <a:ln w="15875">
               <a:solidFill>
-                <a:schemeClr val="bg1">
-                  <a:lumMod val="75000"/>
+                <a:schemeClr val="accent1">
+                  <a:shade val="95000"/>
+                  <a:satMod val="105000"/>
                 </a:schemeClr>
               </a:solidFill>
             </a:ln>
@@ -8920,7 +8988,7 @@
           </p:nvSpPr>
           <p:spPr>
             <a:xfrm>
-              <a:off x="4000500" y="3690938"/>
+              <a:off x="3882516" y="4978963"/>
               <a:ext cx="792163" cy="523875"/>
             </a:xfrm>
             <a:prstGeom prst="rect">
@@ -8932,10 +9000,11 @@
                 <a:lumOff val="80000"/>
               </a:schemeClr>
             </a:solidFill>
-            <a:ln>
+            <a:ln w="15875">
               <a:solidFill>
-                <a:schemeClr val="bg1">
-                  <a:lumMod val="75000"/>
+                <a:schemeClr val="accent1">
+                  <a:shade val="95000"/>
+                  <a:satMod val="105000"/>
                 </a:schemeClr>
               </a:solidFill>
             </a:ln>
@@ -8978,7 +9047,7 @@
           </p:nvSpPr>
           <p:spPr>
             <a:xfrm>
-              <a:off x="6011863" y="1341438"/>
+              <a:off x="5893879" y="2629463"/>
               <a:ext cx="1063625" cy="522287"/>
             </a:xfrm>
             <a:prstGeom prst="rect">
@@ -8990,10 +9059,11 @@
                 <a:lumOff val="80000"/>
               </a:schemeClr>
             </a:solidFill>
-            <a:ln>
+            <a:ln w="15875">
               <a:solidFill>
-                <a:schemeClr val="bg1">
-                  <a:lumMod val="75000"/>
+                <a:schemeClr val="accent1">
+                  <a:shade val="95000"/>
+                  <a:satMod val="105000"/>
                 </a:schemeClr>
               </a:solidFill>
             </a:ln>
@@ -9036,7 +9106,7 @@
           </p:nvSpPr>
           <p:spPr>
             <a:xfrm>
-              <a:off x="7596188" y="2185988"/>
+              <a:off x="7478204" y="3474013"/>
               <a:ext cx="1341437" cy="522287"/>
             </a:xfrm>
             <a:prstGeom prst="rect">
@@ -9048,10 +9118,11 @@
                 <a:lumOff val="80000"/>
               </a:schemeClr>
             </a:solidFill>
-            <a:ln>
+            <a:ln w="15875">
               <a:solidFill>
-                <a:schemeClr val="bg1">
-                  <a:lumMod val="75000"/>
+                <a:schemeClr val="accent1">
+                  <a:shade val="95000"/>
+                  <a:satMod val="105000"/>
                 </a:schemeClr>
               </a:solidFill>
             </a:ln>
@@ -9094,7 +9165,7 @@
           </p:nvSpPr>
           <p:spPr>
             <a:xfrm>
-              <a:off x="6169025" y="3060700"/>
+              <a:off x="6051041" y="4348725"/>
               <a:ext cx="749300" cy="523875"/>
             </a:xfrm>
             <a:prstGeom prst="rect">
@@ -9106,10 +9177,11 @@
                 <a:lumOff val="80000"/>
               </a:schemeClr>
             </a:solidFill>
-            <a:ln>
+            <a:ln w="15875">
               <a:solidFill>
-                <a:schemeClr val="bg1">
-                  <a:lumMod val="75000"/>
+                <a:schemeClr val="accent1">
+                  <a:shade val="95000"/>
+                  <a:satMod val="105000"/>
                 </a:schemeClr>
               </a:solidFill>
             </a:ln>
@@ -9157,13 +9229,19 @@
           </p:nvCxnSpPr>
           <p:spPr>
             <a:xfrm>
-              <a:off x="1150938" y="2970213"/>
+              <a:off x="1032954" y="4258238"/>
               <a:ext cx="900112" cy="0"/>
             </a:xfrm>
             <a:prstGeom prst="straightConnector1">
               <a:avLst/>
             </a:prstGeom>
-            <a:ln>
+            <a:ln w="15875">
+              <a:solidFill>
+                <a:schemeClr val="accent1">
+                  <a:shade val="95000"/>
+                  <a:satMod val="105000"/>
+                </a:schemeClr>
+              </a:solidFill>
               <a:tailEnd type="arrow"/>
             </a:ln>
           </p:spPr>
@@ -9199,13 +9277,19 @@
           </p:nvCxnSpPr>
           <p:spPr>
             <a:xfrm flipV="1">
-              <a:off x="2663825" y="1601788"/>
+              <a:off x="2545841" y="2889813"/>
               <a:ext cx="1116013" cy="1106487"/>
             </a:xfrm>
             <a:prstGeom prst="straightConnector1">
               <a:avLst/>
             </a:prstGeom>
-            <a:ln>
+            <a:ln w="15875">
+              <a:solidFill>
+                <a:schemeClr val="accent1">
+                  <a:shade val="95000"/>
+                  <a:satMod val="105000"/>
+                </a:schemeClr>
+              </a:solidFill>
               <a:tailEnd type="arrow"/>
             </a:ln>
           </p:spPr>
@@ -9241,13 +9325,19 @@
           </p:nvCxnSpPr>
           <p:spPr>
             <a:xfrm>
-              <a:off x="2663825" y="3232150"/>
+              <a:off x="2545841" y="4520175"/>
               <a:ext cx="1336675" cy="720725"/>
             </a:xfrm>
             <a:prstGeom prst="straightConnector1">
               <a:avLst/>
             </a:prstGeom>
-            <a:ln>
+            <a:ln w="15875">
+              <a:solidFill>
+                <a:schemeClr val="accent1">
+                  <a:shade val="95000"/>
+                  <a:satMod val="105000"/>
+                </a:schemeClr>
+              </a:solidFill>
               <a:tailEnd type="arrow"/>
             </a:ln>
           </p:spPr>
@@ -9283,13 +9373,19 @@
           </p:nvCxnSpPr>
           <p:spPr>
             <a:xfrm>
-              <a:off x="4572000" y="1601788"/>
+              <a:off x="4454016" y="2889813"/>
               <a:ext cx="1439863" cy="0"/>
             </a:xfrm>
             <a:prstGeom prst="straightConnector1">
               <a:avLst/>
             </a:prstGeom>
-            <a:ln>
+            <a:ln w="15875">
+              <a:solidFill>
+                <a:schemeClr val="accent1">
+                  <a:shade val="95000"/>
+                  <a:satMod val="105000"/>
+                </a:schemeClr>
+              </a:solidFill>
               <a:tailEnd type="arrow"/>
             </a:ln>
           </p:spPr>
@@ -9325,13 +9421,19 @@
           </p:nvCxnSpPr>
           <p:spPr>
             <a:xfrm>
-              <a:off x="4572000" y="1601788"/>
+              <a:off x="4454016" y="2889813"/>
               <a:ext cx="1597025" cy="1720850"/>
             </a:xfrm>
             <a:prstGeom prst="straightConnector1">
               <a:avLst/>
             </a:prstGeom>
-            <a:ln>
+            <a:ln w="15875">
+              <a:solidFill>
+                <a:schemeClr val="accent1">
+                  <a:shade val="95000"/>
+                  <a:satMod val="105000"/>
+                </a:schemeClr>
+              </a:solidFill>
               <a:tailEnd type="arrow"/>
             </a:ln>
           </p:spPr>
@@ -9364,13 +9466,19 @@
           </p:nvCxnSpPr>
           <p:spPr>
             <a:xfrm flipV="1">
-              <a:off x="4792663" y="3376613"/>
+              <a:off x="4674679" y="4664638"/>
               <a:ext cx="1376362" cy="630237"/>
             </a:xfrm>
             <a:prstGeom prst="straightConnector1">
               <a:avLst/>
             </a:prstGeom>
-            <a:ln>
+            <a:ln w="15875">
+              <a:solidFill>
+                <a:schemeClr val="accent1">
+                  <a:shade val="95000"/>
+                  <a:satMod val="105000"/>
+                </a:schemeClr>
+              </a:solidFill>
               <a:tailEnd type="arrow"/>
             </a:ln>
           </p:spPr>
@@ -9405,13 +9513,19 @@
           </p:nvCxnSpPr>
           <p:spPr>
             <a:xfrm flipV="1">
-              <a:off x="4792663" y="1917700"/>
+              <a:off x="4674679" y="3205725"/>
               <a:ext cx="1308100" cy="2035175"/>
             </a:xfrm>
             <a:prstGeom prst="straightConnector1">
               <a:avLst/>
             </a:prstGeom>
-            <a:ln>
+            <a:ln w="15875">
+              <a:solidFill>
+                <a:schemeClr val="accent1">
+                  <a:shade val="95000"/>
+                  <a:satMod val="105000"/>
+                </a:schemeClr>
+              </a:solidFill>
               <a:tailEnd type="arrow"/>
             </a:ln>
           </p:spPr>
@@ -9447,13 +9561,19 @@
           </p:nvCxnSpPr>
           <p:spPr>
             <a:xfrm>
-              <a:off x="7075488" y="1601788"/>
+              <a:off x="6957504" y="2889813"/>
               <a:ext cx="520700" cy="846137"/>
             </a:xfrm>
             <a:prstGeom prst="straightConnector1">
               <a:avLst/>
             </a:prstGeom>
-            <a:ln>
+            <a:ln w="15875">
+              <a:solidFill>
+                <a:schemeClr val="accent1">
+                  <a:shade val="95000"/>
+                  <a:satMod val="105000"/>
+                </a:schemeClr>
+              </a:solidFill>
               <a:tailEnd type="arrow"/>
             </a:ln>
           </p:spPr>
@@ -9488,15 +9608,20 @@
           </p:nvSpPr>
           <p:spPr bwMode="auto">
             <a:xfrm>
-              <a:off x="2362200" y="3276600"/>
+              <a:off x="2244216" y="4564625"/>
               <a:ext cx="650875" cy="368300"/>
             </a:xfrm>
             <a:prstGeom prst="rect">
               <a:avLst/>
             </a:prstGeom>
             <a:noFill/>
-            <a:ln>
-              <a:noFill/>
+            <a:ln w="15875">
+              <a:solidFill>
+                <a:srgbClr val="000000"/>
+              </a:solidFill>
+              <a:miter lim="800000"/>
+              <a:headEnd/>
+              <a:tailEnd/>
             </a:ln>
             <a:extLst>
               <a:ext uri="{909E8E84-426E-40DD-AFC4-6F175D3DCCD1}">
@@ -9505,16 +9630,6 @@
                     <a:srgbClr val="FFFFFF"/>
                   </a:solidFill>
                 </a14:hiddenFill>
-              </a:ext>
-              <a:ext uri="{91240B29-F687-4F45-9708-019B960494DF}">
-                <a14:hiddenLine xmlns:a14="http://schemas.microsoft.com/office/drawing/2010/main" w="9525">
-                  <a:solidFill>
-                    <a:srgbClr val="000000"/>
-                  </a:solidFill>
-                  <a:miter lim="800000"/>
-                  <a:headEnd/>
-                  <a:tailEnd/>
-                </a14:hiddenLine>
               </a:ext>
             </a:extLst>
           </p:spPr>
@@ -9645,15 +9760,20 @@
           </p:nvSpPr>
           <p:spPr bwMode="auto">
             <a:xfrm>
-              <a:off x="3962400" y="914400"/>
+              <a:off x="3844416" y="2202425"/>
               <a:ext cx="428625" cy="368300"/>
             </a:xfrm>
             <a:prstGeom prst="rect">
               <a:avLst/>
             </a:prstGeom>
             <a:noFill/>
-            <a:ln>
-              <a:noFill/>
+            <a:ln w="15875">
+              <a:solidFill>
+                <a:srgbClr val="000000"/>
+              </a:solidFill>
+              <a:miter lim="800000"/>
+              <a:headEnd/>
+              <a:tailEnd/>
             </a:ln>
             <a:extLst>
               <a:ext uri="{909E8E84-426E-40DD-AFC4-6F175D3DCCD1}">
@@ -9662,16 +9782,6 @@
                     <a:srgbClr val="FFFFFF"/>
                   </a:solidFill>
                 </a14:hiddenFill>
-              </a:ext>
-              <a:ext uri="{91240B29-F687-4F45-9708-019B960494DF}">
-                <a14:hiddenLine xmlns:a14="http://schemas.microsoft.com/office/drawing/2010/main" w="9525">
-                  <a:solidFill>
-                    <a:srgbClr val="000000"/>
-                  </a:solidFill>
-                  <a:miter lim="800000"/>
-                  <a:headEnd/>
-                  <a:tailEnd/>
-                </a14:hiddenLine>
               </a:ext>
             </a:extLst>
           </p:spPr>
@@ -9802,15 +9912,20 @@
           </p:nvSpPr>
           <p:spPr bwMode="auto">
             <a:xfrm>
-              <a:off x="4191000" y="4267200"/>
+              <a:off x="4073016" y="5555225"/>
               <a:ext cx="442913" cy="366713"/>
             </a:xfrm>
             <a:prstGeom prst="rect">
               <a:avLst/>
             </a:prstGeom>
             <a:noFill/>
-            <a:ln>
-              <a:noFill/>
+            <a:ln w="15875">
+              <a:solidFill>
+                <a:srgbClr val="000000"/>
+              </a:solidFill>
+              <a:miter lim="800000"/>
+              <a:headEnd/>
+              <a:tailEnd/>
             </a:ln>
             <a:extLst>
               <a:ext uri="{909E8E84-426E-40DD-AFC4-6F175D3DCCD1}">
@@ -9819,16 +9934,6 @@
                     <a:srgbClr val="FFFFFF"/>
                   </a:solidFill>
                 </a14:hiddenFill>
-              </a:ext>
-              <a:ext uri="{91240B29-F687-4F45-9708-019B960494DF}">
-                <a14:hiddenLine xmlns:a14="http://schemas.microsoft.com/office/drawing/2010/main" w="9525">
-                  <a:solidFill>
-                    <a:srgbClr val="000000"/>
-                  </a:solidFill>
-                  <a:miter lim="800000"/>
-                  <a:headEnd/>
-                  <a:tailEnd/>
-                </a14:hiddenLine>
               </a:ext>
             </a:extLst>
           </p:spPr>
@@ -9959,15 +10064,20 @@
           </p:nvSpPr>
           <p:spPr bwMode="auto">
             <a:xfrm>
-              <a:off x="5943600" y="3657600"/>
+              <a:off x="5825616" y="4945625"/>
               <a:ext cx="1206500" cy="366713"/>
             </a:xfrm>
             <a:prstGeom prst="rect">
               <a:avLst/>
             </a:prstGeom>
             <a:noFill/>
-            <a:ln>
-              <a:noFill/>
+            <a:ln w="15875">
+              <a:solidFill>
+                <a:schemeClr val="tx1"/>
+              </a:solidFill>
+              <a:miter lim="800000"/>
+              <a:headEnd/>
+              <a:tailEnd/>
             </a:ln>
             <a:effectLst/>
             <a:extLst>
@@ -9977,16 +10087,6 @@
                     <a:schemeClr val="accent1"/>
                   </a:solidFill>
                 </a14:hiddenFill>
-              </a:ext>
-              <a:ext uri="{91240B29-F687-4F45-9708-019B960494DF}">
-                <a14:hiddenLine xmlns:a14="http://schemas.microsoft.com/office/drawing/2010/main" w="9525">
-                  <a:solidFill>
-                    <a:schemeClr val="tx1"/>
-                  </a:solidFill>
-                  <a:miter lim="800000"/>
-                  <a:headEnd/>
-                  <a:tailEnd/>
-                </a14:hiddenLine>
               </a:ext>
               <a:ext uri="{AF507438-7753-43E0-B8FC-AC1667EBCBE1}">
                 <a14:hiddenEffects xmlns:a14="http://schemas.microsoft.com/office/drawing/2010/main">
@@ -10029,15 +10129,20 @@
           </p:nvSpPr>
           <p:spPr bwMode="auto">
             <a:xfrm>
-              <a:off x="609600" y="3276600"/>
+              <a:off x="491616" y="4564625"/>
               <a:ext cx="311150" cy="366713"/>
             </a:xfrm>
             <a:prstGeom prst="rect">
               <a:avLst/>
             </a:prstGeom>
             <a:noFill/>
-            <a:ln>
-              <a:noFill/>
+            <a:ln w="15875">
+              <a:solidFill>
+                <a:schemeClr val="tx1"/>
+              </a:solidFill>
+              <a:miter lim="800000"/>
+              <a:headEnd/>
+              <a:tailEnd/>
             </a:ln>
             <a:effectLst/>
             <a:extLst>
@@ -10047,16 +10152,6 @@
                     <a:schemeClr val="accent1"/>
                   </a:solidFill>
                 </a14:hiddenFill>
-              </a:ext>
-              <a:ext uri="{91240B29-F687-4F45-9708-019B960494DF}">
-                <a14:hiddenLine xmlns:a14="http://schemas.microsoft.com/office/drawing/2010/main" w="9525">
-                  <a:solidFill>
-                    <a:schemeClr val="tx1"/>
-                  </a:solidFill>
-                  <a:miter lim="800000"/>
-                  <a:headEnd/>
-                  <a:tailEnd/>
-                </a14:hiddenLine>
               </a:ext>
               <a:ext uri="{AF507438-7753-43E0-B8FC-AC1667EBCBE1}">
                 <a14:hiddenEffects xmlns:a14="http://schemas.microsoft.com/office/drawing/2010/main">
@@ -10076,7 +10171,7 @@
             <a:lstStyle/>
             <a:p>
               <a:r>
-                <a:rPr lang="en-CA" altLang="en-US"/>
+                <a:rPr lang="en-CA" altLang="en-US" dirty="0"/>
                 <a:t>0</a:t>
               </a:r>
             </a:p>
@@ -10098,15 +10193,20 @@
           </p:nvSpPr>
           <p:spPr bwMode="auto">
             <a:xfrm>
-              <a:off x="5791200" y="914400"/>
+              <a:off x="5673216" y="2202425"/>
               <a:ext cx="1409700" cy="366713"/>
             </a:xfrm>
             <a:prstGeom prst="rect">
               <a:avLst/>
             </a:prstGeom>
             <a:noFill/>
-            <a:ln>
-              <a:noFill/>
+            <a:ln w="15875">
+              <a:solidFill>
+                <a:schemeClr val="tx1"/>
+              </a:solidFill>
+              <a:miter lim="800000"/>
+              <a:headEnd/>
+              <a:tailEnd/>
             </a:ln>
             <a:effectLst/>
             <a:extLst>
@@ -10116,16 +10216,6 @@
                     <a:schemeClr val="accent1"/>
                   </a:solidFill>
                 </a14:hiddenFill>
-              </a:ext>
-              <a:ext uri="{91240B29-F687-4F45-9708-019B960494DF}">
-                <a14:hiddenLine xmlns:a14="http://schemas.microsoft.com/office/drawing/2010/main" w="9525">
-                  <a:solidFill>
-                    <a:schemeClr val="tx1"/>
-                  </a:solidFill>
-                  <a:miter lim="800000"/>
-                  <a:headEnd/>
-                  <a:tailEnd/>
-                </a14:hiddenLine>
               </a:ext>
               <a:ext uri="{AF507438-7753-43E0-B8FC-AC1667EBCBE1}">
                 <a14:hiddenEffects xmlns:a14="http://schemas.microsoft.com/office/drawing/2010/main">
@@ -10244,6 +10334,113 @@
             <a:endParaRPr lang="en-CA" sz="2000" dirty="0">
               <a:latin typeface="+mn-lt"/>
             </a:endParaRPr>
+          </a:p>
+        </p:txBody>
+      </p:sp>
+      <p:sp>
+        <p:nvSpPr>
+          <p:cNvPr id="28" name="TextBox 27">
+            <a:extLst>
+              <a:ext uri="{FF2B5EF4-FFF2-40B4-BE49-F238E27FC236}">
+                <a16:creationId xmlns:a16="http://schemas.microsoft.com/office/drawing/2014/main" id="{5D410391-C850-4493-9295-211320AEAB15}"/>
+              </a:ext>
+            </a:extLst>
+          </p:cNvPr>
+          <p:cNvSpPr txBox="1"/>
+          <p:nvPr/>
+        </p:nvSpPr>
+        <p:spPr>
+          <a:xfrm>
+            <a:off x="324136" y="5005368"/>
+            <a:ext cx="900112" cy="646331"/>
+          </a:xfrm>
+          <a:prstGeom prst="rect">
+            <a:avLst/>
+          </a:prstGeom>
+          <a:noFill/>
+        </p:spPr>
+        <p:txBody>
+          <a:bodyPr wrap="square" rtlCol="0">
+            <a:spAutoFit/>
+          </a:bodyPr>
+          <a:lstStyle/>
+          <a:p>
+            <a:r>
+              <a:rPr lang="en-US" sz="1200" dirty="0"/>
+              <a:t>df for association term</a:t>
+            </a:r>
+          </a:p>
+        </p:txBody>
+      </p:sp>
+      <p:sp>
+        <p:nvSpPr>
+          <p:cNvPr id="29" name="TextBox 28">
+            <a:extLst>
+              <a:ext uri="{FF2B5EF4-FFF2-40B4-BE49-F238E27FC236}">
+                <a16:creationId xmlns:a16="http://schemas.microsoft.com/office/drawing/2014/main" id="{C00FA8EA-776F-4E32-8D87-0BE342A550F1}"/>
+              </a:ext>
+            </a:extLst>
+          </p:cNvPr>
+          <p:cNvSpPr txBox="1"/>
+          <p:nvPr/>
+        </p:nvSpPr>
+        <p:spPr>
+          <a:xfrm>
+            <a:off x="3592446" y="3900147"/>
+            <a:ext cx="1018666" cy="523220"/>
+          </a:xfrm>
+          <a:prstGeom prst="rect">
+            <a:avLst/>
+          </a:prstGeom>
+          <a:noFill/>
+        </p:spPr>
+        <p:txBody>
+          <a:bodyPr wrap="square" rtlCol="0">
+            <a:spAutoFit/>
+          </a:bodyPr>
+          <a:lstStyle/>
+          <a:p>
+            <a:pPr algn="ctr"/>
+            <a:r>
+              <a:rPr lang="en-US" sz="1400" dirty="0"/>
+              <a:t>integer scores</a:t>
+            </a:r>
+          </a:p>
+        </p:txBody>
+      </p:sp>
+      <p:sp>
+        <p:nvSpPr>
+          <p:cNvPr id="30" name="TextBox 29">
+            <a:extLst>
+              <a:ext uri="{FF2B5EF4-FFF2-40B4-BE49-F238E27FC236}">
+                <a16:creationId xmlns:a16="http://schemas.microsoft.com/office/drawing/2014/main" id="{C253C6B2-6CC4-4448-A225-D739198C0DD5}"/>
+              </a:ext>
+            </a:extLst>
+          </p:cNvPr>
+          <p:cNvSpPr txBox="1"/>
+          <p:nvPr/>
+        </p:nvSpPr>
+        <p:spPr>
+          <a:xfrm>
+            <a:off x="7396097" y="2748252"/>
+            <a:ext cx="1018666" cy="523220"/>
+          </a:xfrm>
+          <a:prstGeom prst="rect">
+            <a:avLst/>
+          </a:prstGeom>
+          <a:noFill/>
+        </p:spPr>
+        <p:txBody>
+          <a:bodyPr wrap="square" rtlCol="0">
+            <a:spAutoFit/>
+          </a:bodyPr>
+          <a:lstStyle/>
+          <a:p>
+            <a:pPr algn="ctr"/>
+            <a:r>
+              <a:rPr lang="en-US" sz="1400" dirty="0"/>
+              <a:t>estimated scores</a:t>
+            </a:r>
           </a:p>
         </p:txBody>
       </p:sp>
@@ -10822,8 +11019,8 @@
         </p:nvSpPr>
         <p:spPr>
           <a:xfrm>
-            <a:off x="457200" y="1371600"/>
-            <a:ext cx="8229600" cy="369332"/>
+            <a:off x="457200" y="1219200"/>
+            <a:ext cx="8229600" cy="461665"/>
           </a:xfrm>
           <a:prstGeom prst="rect">
             <a:avLst/>
@@ -10837,15 +11034,15 @@
           <a:lstStyle/>
           <a:p>
             <a:r>
-              <a:rPr lang="en-US" dirty="0"/>
+              <a:rPr lang="en-US" sz="2400" dirty="0"/>
               <a:t>Fit  and test the independence model using </a:t>
             </a:r>
             <a:r>
-              <a:rPr lang="en-US" dirty="0" err="1"/>
+              <a:rPr lang="en-US" sz="2400" dirty="0" err="1"/>
               <a:t>glm</a:t>
             </a:r>
             <a:r>
-              <a:rPr lang="en-US" dirty="0"/>
+              <a:rPr lang="en-US" sz="2400" dirty="0"/>
               <a:t>()</a:t>
             </a:r>
           </a:p>
@@ -11276,7 +11473,19 @@
           <a:p>
             <a:r>
               <a:rPr lang="en-US" dirty="0"/>
-              <a:t>The mosaic uses discrete shading levels, so it is useful to show residuals in the cells</a:t>
+              <a:t>The mosaic uses </a:t>
+            </a:r>
+            <a:r>
+              <a:rPr lang="en-US" dirty="0">
+                <a:solidFill>
+                  <a:srgbClr val="0070C0"/>
+                </a:solidFill>
+              </a:rPr>
+              <a:t>discrete</a:t>
+            </a:r>
+            <a:r>
+              <a:rPr lang="en-US" dirty="0"/>
+              <a:t> shading levels, so it is useful to show residuals in the cells</a:t>
             </a:r>
           </a:p>
           <a:p>
@@ -11822,7 +12031,19 @@
           <a:p>
             <a:r>
               <a:rPr lang="en-US" dirty="0"/>
-              <a:t>For ordered tables, useful to examine the local log odds ratios for successive 2 x 2 sub-tables</a:t>
+              <a:t>For ordered tables, useful to examine the </a:t>
+            </a:r>
+            <a:r>
+              <a:rPr lang="en-US" dirty="0">
+                <a:solidFill>
+                  <a:srgbClr val="0070C0"/>
+                </a:solidFill>
+              </a:rPr>
+              <a:t>local log odds ratios </a:t>
+            </a:r>
+            <a:r>
+              <a:rPr lang="en-US" dirty="0"/>
+              <a:t>for successive 2 x 2 sub-tables</a:t>
             </a:r>
           </a:p>
           <a:p>
@@ -12144,6 +12365,110 @@
           </a:p>
         </p:txBody>
       </p:sp>
+      <p:sp>
+        <p:nvSpPr>
+          <p:cNvPr id="7" name="Oval 6">
+            <a:extLst>
+              <a:ext uri="{FF2B5EF4-FFF2-40B4-BE49-F238E27FC236}">
+                <a16:creationId xmlns:a16="http://schemas.microsoft.com/office/drawing/2014/main" id="{C32D6801-A7A3-40AA-BEFB-14271A83C22F}"/>
+              </a:ext>
+            </a:extLst>
+          </p:cNvPr>
+          <p:cNvSpPr/>
+          <p:nvPr/>
+        </p:nvSpPr>
+        <p:spPr>
+          <a:xfrm>
+            <a:off x="838200" y="5034483"/>
+            <a:ext cx="762000" cy="307444"/>
+          </a:xfrm>
+          <a:prstGeom prst="ellipse">
+            <a:avLst/>
+          </a:prstGeom>
+          <a:noFill/>
+          <a:ln>
+            <a:solidFill>
+              <a:srgbClr val="FF0000"/>
+            </a:solidFill>
+          </a:ln>
+        </p:spPr>
+        <p:style>
+          <a:lnRef idx="2">
+            <a:schemeClr val="accent1">
+              <a:shade val="50000"/>
+            </a:schemeClr>
+          </a:lnRef>
+          <a:fillRef idx="1">
+            <a:schemeClr val="accent1"/>
+          </a:fillRef>
+          <a:effectRef idx="0">
+            <a:schemeClr val="accent1"/>
+          </a:effectRef>
+          <a:fontRef idx="minor">
+            <a:schemeClr val="lt1"/>
+          </a:fontRef>
+        </p:style>
+        <p:txBody>
+          <a:bodyPr rtlCol="0" anchor="ctr"/>
+          <a:lstStyle/>
+          <a:p>
+            <a:pPr algn="ctr"/>
+            <a:endParaRPr lang="en-US"/>
+          </a:p>
+        </p:txBody>
+      </p:sp>
+      <p:sp>
+        <p:nvSpPr>
+          <p:cNvPr id="8" name="Oval 7">
+            <a:extLst>
+              <a:ext uri="{FF2B5EF4-FFF2-40B4-BE49-F238E27FC236}">
+                <a16:creationId xmlns:a16="http://schemas.microsoft.com/office/drawing/2014/main" id="{58F14864-90E9-4F01-9DD5-D5E9B5950CD6}"/>
+              </a:ext>
+            </a:extLst>
+          </p:cNvPr>
+          <p:cNvSpPr/>
+          <p:nvPr/>
+        </p:nvSpPr>
+        <p:spPr>
+          <a:xfrm>
+            <a:off x="838200" y="4579620"/>
+            <a:ext cx="762000" cy="307444"/>
+          </a:xfrm>
+          <a:prstGeom prst="ellipse">
+            <a:avLst/>
+          </a:prstGeom>
+          <a:noFill/>
+          <a:ln>
+            <a:solidFill>
+              <a:srgbClr val="FF0000"/>
+            </a:solidFill>
+          </a:ln>
+        </p:spPr>
+        <p:style>
+          <a:lnRef idx="2">
+            <a:schemeClr val="accent1">
+              <a:shade val="50000"/>
+            </a:schemeClr>
+          </a:lnRef>
+          <a:fillRef idx="1">
+            <a:schemeClr val="accent1"/>
+          </a:fillRef>
+          <a:effectRef idx="0">
+            <a:schemeClr val="accent1"/>
+          </a:effectRef>
+          <a:fontRef idx="minor">
+            <a:schemeClr val="lt1"/>
+          </a:fontRef>
+        </p:style>
+        <p:txBody>
+          <a:bodyPr rtlCol="0" anchor="ctr"/>
+          <a:lstStyle/>
+          <a:p>
+            <a:pPr algn="ctr"/>
+            <a:endParaRPr lang="en-US"/>
+          </a:p>
+        </p:txBody>
+      </p:sp>
     </p:spTree>
     <p:extLst>
       <p:ext uri="{BB962C8B-B14F-4D97-AF65-F5344CB8AC3E}">
@@ -12154,6 +12479,251 @@
   <p:clrMapOvr>
     <a:masterClrMapping/>
   </p:clrMapOvr>
+  <p:timing>
+    <p:tnLst>
+      <p:par>
+        <p:cTn id="1" dur="indefinite" restart="never" nodeType="tmRoot">
+          <p:childTnLst>
+            <p:seq concurrent="1" nextAc="seek">
+              <p:cTn id="2" dur="indefinite" nodeType="mainSeq">
+                <p:childTnLst>
+                  <p:par>
+                    <p:cTn id="3" fill="hold">
+                      <p:stCondLst>
+                        <p:cond delay="indefinite"/>
+                      </p:stCondLst>
+                      <p:childTnLst>
+                        <p:par>
+                          <p:cTn id="4" fill="hold">
+                            <p:stCondLst>
+                              <p:cond delay="0"/>
+                            </p:stCondLst>
+                            <p:childTnLst>
+                              <p:par>
+                                <p:cTn id="5" presetID="1" presetClass="entr" presetSubtype="0" fill="hold" nodeType="clickEffect">
+                                  <p:stCondLst>
+                                    <p:cond delay="0"/>
+                                  </p:stCondLst>
+                                  <p:childTnLst>
+                                    <p:set>
+                                      <p:cBhvr>
+                                        <p:cTn id="6" dur="1" fill="hold">
+                                          <p:stCondLst>
+                                            <p:cond delay="0"/>
+                                          </p:stCondLst>
+                                        </p:cTn>
+                                        <p:tgtEl>
+                                          <p:spTgt spid="6">
+                                            <p:txEl>
+                                              <p:pRg st="0" end="0"/>
+                                            </p:txEl>
+                                          </p:spTgt>
+                                        </p:tgtEl>
+                                        <p:attrNameLst>
+                                          <p:attrName>style.visibility</p:attrName>
+                                        </p:attrNameLst>
+                                      </p:cBhvr>
+                                      <p:to>
+                                        <p:strVal val="visible"/>
+                                      </p:to>
+                                    </p:set>
+                                  </p:childTnLst>
+                                </p:cTn>
+                              </p:par>
+                              <p:par>
+                                <p:cTn id="7" presetID="42" presetClass="entr" presetSubtype="0" fill="hold" grpId="0" nodeType="withEffect">
+                                  <p:stCondLst>
+                                    <p:cond delay="0"/>
+                                  </p:stCondLst>
+                                  <p:childTnLst>
+                                    <p:set>
+                                      <p:cBhvr>
+                                        <p:cTn id="8" dur="1" fill="hold">
+                                          <p:stCondLst>
+                                            <p:cond delay="0"/>
+                                          </p:stCondLst>
+                                        </p:cTn>
+                                        <p:tgtEl>
+                                          <p:spTgt spid="8"/>
+                                        </p:tgtEl>
+                                        <p:attrNameLst>
+                                          <p:attrName>style.visibility</p:attrName>
+                                        </p:attrNameLst>
+                                      </p:cBhvr>
+                                      <p:to>
+                                        <p:strVal val="visible"/>
+                                      </p:to>
+                                    </p:set>
+                                    <p:animEffect transition="in" filter="fade">
+                                      <p:cBhvr>
+                                        <p:cTn id="9" dur="1000"/>
+                                        <p:tgtEl>
+                                          <p:spTgt spid="8"/>
+                                        </p:tgtEl>
+                                      </p:cBhvr>
+                                    </p:animEffect>
+                                    <p:anim calcmode="lin" valueType="num">
+                                      <p:cBhvr>
+                                        <p:cTn id="10" dur="1000" fill="hold"/>
+                                        <p:tgtEl>
+                                          <p:spTgt spid="8"/>
+                                        </p:tgtEl>
+                                        <p:attrNameLst>
+                                          <p:attrName>ppt_x</p:attrName>
+                                        </p:attrNameLst>
+                                      </p:cBhvr>
+                                      <p:tavLst>
+                                        <p:tav tm="0">
+                                          <p:val>
+                                            <p:strVal val="#ppt_x"/>
+                                          </p:val>
+                                        </p:tav>
+                                        <p:tav tm="100000">
+                                          <p:val>
+                                            <p:strVal val="#ppt_x"/>
+                                          </p:val>
+                                        </p:tav>
+                                      </p:tavLst>
+                                    </p:anim>
+                                    <p:anim calcmode="lin" valueType="num">
+                                      <p:cBhvr>
+                                        <p:cTn id="11" dur="1000" fill="hold"/>
+                                        <p:tgtEl>
+                                          <p:spTgt spid="8"/>
+                                        </p:tgtEl>
+                                        <p:attrNameLst>
+                                          <p:attrName>ppt_y</p:attrName>
+                                        </p:attrNameLst>
+                                      </p:cBhvr>
+                                      <p:tavLst>
+                                        <p:tav tm="0">
+                                          <p:val>
+                                            <p:strVal val="#ppt_y+.1"/>
+                                          </p:val>
+                                        </p:tav>
+                                        <p:tav tm="100000">
+                                          <p:val>
+                                            <p:strVal val="#ppt_y"/>
+                                          </p:val>
+                                        </p:tav>
+                                      </p:tavLst>
+                                    </p:anim>
+                                  </p:childTnLst>
+                                </p:cTn>
+                              </p:par>
+                              <p:par>
+                                <p:cTn id="12" presetID="42" presetClass="entr" presetSubtype="0" fill="hold" grpId="0" nodeType="withEffect">
+                                  <p:stCondLst>
+                                    <p:cond delay="0"/>
+                                  </p:stCondLst>
+                                  <p:childTnLst>
+                                    <p:set>
+                                      <p:cBhvr>
+                                        <p:cTn id="13" dur="1" fill="hold">
+                                          <p:stCondLst>
+                                            <p:cond delay="0"/>
+                                          </p:stCondLst>
+                                        </p:cTn>
+                                        <p:tgtEl>
+                                          <p:spTgt spid="7"/>
+                                        </p:tgtEl>
+                                        <p:attrNameLst>
+                                          <p:attrName>style.visibility</p:attrName>
+                                        </p:attrNameLst>
+                                      </p:cBhvr>
+                                      <p:to>
+                                        <p:strVal val="visible"/>
+                                      </p:to>
+                                    </p:set>
+                                    <p:animEffect transition="in" filter="fade">
+                                      <p:cBhvr>
+                                        <p:cTn id="14" dur="1000"/>
+                                        <p:tgtEl>
+                                          <p:spTgt spid="7"/>
+                                        </p:tgtEl>
+                                      </p:cBhvr>
+                                    </p:animEffect>
+                                    <p:anim calcmode="lin" valueType="num">
+                                      <p:cBhvr>
+                                        <p:cTn id="15" dur="1000" fill="hold"/>
+                                        <p:tgtEl>
+                                          <p:spTgt spid="7"/>
+                                        </p:tgtEl>
+                                        <p:attrNameLst>
+                                          <p:attrName>ppt_x</p:attrName>
+                                        </p:attrNameLst>
+                                      </p:cBhvr>
+                                      <p:tavLst>
+                                        <p:tav tm="0">
+                                          <p:val>
+                                            <p:strVal val="#ppt_x"/>
+                                          </p:val>
+                                        </p:tav>
+                                        <p:tav tm="100000">
+                                          <p:val>
+                                            <p:strVal val="#ppt_x"/>
+                                          </p:val>
+                                        </p:tav>
+                                      </p:tavLst>
+                                    </p:anim>
+                                    <p:anim calcmode="lin" valueType="num">
+                                      <p:cBhvr>
+                                        <p:cTn id="16" dur="1000" fill="hold"/>
+                                        <p:tgtEl>
+                                          <p:spTgt spid="7"/>
+                                        </p:tgtEl>
+                                        <p:attrNameLst>
+                                          <p:attrName>ppt_y</p:attrName>
+                                        </p:attrNameLst>
+                                      </p:cBhvr>
+                                      <p:tavLst>
+                                        <p:tav tm="0">
+                                          <p:val>
+                                            <p:strVal val="#ppt_y+.1"/>
+                                          </p:val>
+                                        </p:tav>
+                                        <p:tav tm="100000">
+                                          <p:val>
+                                            <p:strVal val="#ppt_y"/>
+                                          </p:val>
+                                        </p:tav>
+                                      </p:tavLst>
+                                    </p:anim>
+                                  </p:childTnLst>
+                                </p:cTn>
+                              </p:par>
+                            </p:childTnLst>
+                          </p:cTn>
+                        </p:par>
+                      </p:childTnLst>
+                    </p:cTn>
+                  </p:par>
+                </p:childTnLst>
+              </p:cTn>
+              <p:prevCondLst>
+                <p:cond evt="onPrev" delay="0">
+                  <p:tgtEl>
+                    <p:sldTgt/>
+                  </p:tgtEl>
+                </p:cond>
+              </p:prevCondLst>
+              <p:nextCondLst>
+                <p:cond evt="onNext" delay="0">
+                  <p:tgtEl>
+                    <p:sldTgt/>
+                  </p:tgtEl>
+                </p:cond>
+              </p:nextCondLst>
+            </p:seq>
+          </p:childTnLst>
+        </p:cTn>
+      </p:par>
+    </p:tnLst>
+    <p:bldLst>
+      <p:bldP spid="7" grpId="0" animBg="1"/>
+      <p:bldP spid="8" grpId="0" animBg="1"/>
+    </p:bldLst>
+  </p:timing>
 </p:sld>
 </file>
 
@@ -12348,7 +12918,13 @@
           <a:prstGeom prst="rect">
             <a:avLst/>
           </a:prstGeom>
-          <a:noFill/>
+          <a:solidFill>
+            <a:schemeClr val="accent6">
+              <a:lumMod val="20000"/>
+              <a:lumOff val="80000"/>
+              <a:alpha val="60000"/>
+            </a:schemeClr>
+          </a:solidFill>
         </p:spPr>
         <p:txBody>
           <a:bodyPr wrap="square" rtlCol="0">
@@ -12563,7 +13139,7 @@
         </p:blipFill>
         <p:spPr>
           <a:xfrm>
-            <a:off x="457200" y="1752600"/>
+            <a:off x="457200" y="1524000"/>
             <a:ext cx="8171428" cy="1333333"/>
           </a:xfrm>
           <a:prstGeom prst="rect">
@@ -12593,7 +13169,7 @@
         </p:blipFill>
         <p:spPr>
           <a:xfrm>
-            <a:off x="457200" y="3581400"/>
+            <a:off x="457200" y="3276600"/>
             <a:ext cx="8171428" cy="1266667"/>
           </a:xfrm>
           <a:prstGeom prst="rect">
@@ -12601,6 +13177,516 @@
           </a:prstGeom>
         </p:spPr>
       </p:pic>
+      <p:sp>
+        <p:nvSpPr>
+          <p:cNvPr id="6" name="TextBox 5">
+            <a:extLst>
+              <a:ext uri="{FF2B5EF4-FFF2-40B4-BE49-F238E27FC236}">
+                <a16:creationId xmlns:a16="http://schemas.microsoft.com/office/drawing/2014/main" id="{FAE5E18E-5B1A-41F3-BB02-932E33C01539}"/>
+              </a:ext>
+            </a:extLst>
+          </p:cNvPr>
+          <p:cNvSpPr txBox="1"/>
+          <p:nvPr/>
+        </p:nvSpPr>
+        <p:spPr>
+          <a:xfrm>
+            <a:off x="457200" y="5029200"/>
+            <a:ext cx="8077200" cy="923330"/>
+          </a:xfrm>
+          <a:custGeom>
+            <a:avLst/>
+            <a:gdLst>
+              <a:gd name="connsiteX0" fmla="*/ 0 w 8077200"/>
+              <a:gd name="connsiteY0" fmla="*/ 0 h 923330"/>
+              <a:gd name="connsiteX1" fmla="*/ 496171 w 8077200"/>
+              <a:gd name="connsiteY1" fmla="*/ 0 h 923330"/>
+              <a:gd name="connsiteX2" fmla="*/ 830798 w 8077200"/>
+              <a:gd name="connsiteY2" fmla="*/ 0 h 923330"/>
+              <a:gd name="connsiteX3" fmla="*/ 1569285 w 8077200"/>
+              <a:gd name="connsiteY3" fmla="*/ 0 h 923330"/>
+              <a:gd name="connsiteX4" fmla="*/ 2065455 w 8077200"/>
+              <a:gd name="connsiteY4" fmla="*/ 0 h 923330"/>
+              <a:gd name="connsiteX5" fmla="*/ 2561626 w 8077200"/>
+              <a:gd name="connsiteY5" fmla="*/ 0 h 923330"/>
+              <a:gd name="connsiteX6" fmla="*/ 3300113 w 8077200"/>
+              <a:gd name="connsiteY6" fmla="*/ 0 h 923330"/>
+              <a:gd name="connsiteX7" fmla="*/ 3715512 w 8077200"/>
+              <a:gd name="connsiteY7" fmla="*/ 0 h 923330"/>
+              <a:gd name="connsiteX8" fmla="*/ 4453999 w 8077200"/>
+              <a:gd name="connsiteY8" fmla="*/ 0 h 923330"/>
+              <a:gd name="connsiteX9" fmla="*/ 5192486 w 8077200"/>
+              <a:gd name="connsiteY9" fmla="*/ 0 h 923330"/>
+              <a:gd name="connsiteX10" fmla="*/ 5769429 w 8077200"/>
+              <a:gd name="connsiteY10" fmla="*/ 0 h 923330"/>
+              <a:gd name="connsiteX11" fmla="*/ 6507915 w 8077200"/>
+              <a:gd name="connsiteY11" fmla="*/ 0 h 923330"/>
+              <a:gd name="connsiteX12" fmla="*/ 7004086 w 8077200"/>
+              <a:gd name="connsiteY12" fmla="*/ 0 h 923330"/>
+              <a:gd name="connsiteX13" fmla="*/ 7500257 w 8077200"/>
+              <a:gd name="connsiteY13" fmla="*/ 0 h 923330"/>
+              <a:gd name="connsiteX14" fmla="*/ 8077200 w 8077200"/>
+              <a:gd name="connsiteY14" fmla="*/ 0 h 923330"/>
+              <a:gd name="connsiteX15" fmla="*/ 8077200 w 8077200"/>
+              <a:gd name="connsiteY15" fmla="*/ 452432 h 923330"/>
+              <a:gd name="connsiteX16" fmla="*/ 8077200 w 8077200"/>
+              <a:gd name="connsiteY16" fmla="*/ 923330 h 923330"/>
+              <a:gd name="connsiteX17" fmla="*/ 7419485 w 8077200"/>
+              <a:gd name="connsiteY17" fmla="*/ 923330 h 923330"/>
+              <a:gd name="connsiteX18" fmla="*/ 6842542 w 8077200"/>
+              <a:gd name="connsiteY18" fmla="*/ 923330 h 923330"/>
+              <a:gd name="connsiteX19" fmla="*/ 6507915 w 8077200"/>
+              <a:gd name="connsiteY19" fmla="*/ 923330 h 923330"/>
+              <a:gd name="connsiteX20" fmla="*/ 6092517 w 8077200"/>
+              <a:gd name="connsiteY20" fmla="*/ 923330 h 923330"/>
+              <a:gd name="connsiteX21" fmla="*/ 5354030 w 8077200"/>
+              <a:gd name="connsiteY21" fmla="*/ 923330 h 923330"/>
+              <a:gd name="connsiteX22" fmla="*/ 4777087 w 8077200"/>
+              <a:gd name="connsiteY22" fmla="*/ 923330 h 923330"/>
+              <a:gd name="connsiteX23" fmla="*/ 4361688 w 8077200"/>
+              <a:gd name="connsiteY23" fmla="*/ 923330 h 923330"/>
+              <a:gd name="connsiteX24" fmla="*/ 3784745 w 8077200"/>
+              <a:gd name="connsiteY24" fmla="*/ 923330 h 923330"/>
+              <a:gd name="connsiteX25" fmla="*/ 3450118 w 8077200"/>
+              <a:gd name="connsiteY25" fmla="*/ 923330 h 923330"/>
+              <a:gd name="connsiteX26" fmla="*/ 3115491 w 8077200"/>
+              <a:gd name="connsiteY26" fmla="*/ 923330 h 923330"/>
+              <a:gd name="connsiteX27" fmla="*/ 2538549 w 8077200"/>
+              <a:gd name="connsiteY27" fmla="*/ 923330 h 923330"/>
+              <a:gd name="connsiteX28" fmla="*/ 2123150 w 8077200"/>
+              <a:gd name="connsiteY28" fmla="*/ 923330 h 923330"/>
+              <a:gd name="connsiteX29" fmla="*/ 1465435 w 8077200"/>
+              <a:gd name="connsiteY29" fmla="*/ 923330 h 923330"/>
+              <a:gd name="connsiteX30" fmla="*/ 1050036 w 8077200"/>
+              <a:gd name="connsiteY30" fmla="*/ 923330 h 923330"/>
+              <a:gd name="connsiteX31" fmla="*/ 0 w 8077200"/>
+              <a:gd name="connsiteY31" fmla="*/ 923330 h 923330"/>
+              <a:gd name="connsiteX32" fmla="*/ 0 w 8077200"/>
+              <a:gd name="connsiteY32" fmla="*/ 489365 h 923330"/>
+              <a:gd name="connsiteX33" fmla="*/ 0 w 8077200"/>
+              <a:gd name="connsiteY33" fmla="*/ 0 h 923330"/>
+            </a:gdLst>
+            <a:ahLst/>
+            <a:cxnLst>
+              <a:cxn ang="0">
+                <a:pos x="connsiteX0" y="connsiteY0"/>
+              </a:cxn>
+              <a:cxn ang="0">
+                <a:pos x="connsiteX1" y="connsiteY1"/>
+              </a:cxn>
+              <a:cxn ang="0">
+                <a:pos x="connsiteX2" y="connsiteY2"/>
+              </a:cxn>
+              <a:cxn ang="0">
+                <a:pos x="connsiteX3" y="connsiteY3"/>
+              </a:cxn>
+              <a:cxn ang="0">
+                <a:pos x="connsiteX4" y="connsiteY4"/>
+              </a:cxn>
+              <a:cxn ang="0">
+                <a:pos x="connsiteX5" y="connsiteY5"/>
+              </a:cxn>
+              <a:cxn ang="0">
+                <a:pos x="connsiteX6" y="connsiteY6"/>
+              </a:cxn>
+              <a:cxn ang="0">
+                <a:pos x="connsiteX7" y="connsiteY7"/>
+              </a:cxn>
+              <a:cxn ang="0">
+                <a:pos x="connsiteX8" y="connsiteY8"/>
+              </a:cxn>
+              <a:cxn ang="0">
+                <a:pos x="connsiteX9" y="connsiteY9"/>
+              </a:cxn>
+              <a:cxn ang="0">
+                <a:pos x="connsiteX10" y="connsiteY10"/>
+              </a:cxn>
+              <a:cxn ang="0">
+                <a:pos x="connsiteX11" y="connsiteY11"/>
+              </a:cxn>
+              <a:cxn ang="0">
+                <a:pos x="connsiteX12" y="connsiteY12"/>
+              </a:cxn>
+              <a:cxn ang="0">
+                <a:pos x="connsiteX13" y="connsiteY13"/>
+              </a:cxn>
+              <a:cxn ang="0">
+                <a:pos x="connsiteX14" y="connsiteY14"/>
+              </a:cxn>
+              <a:cxn ang="0">
+                <a:pos x="connsiteX15" y="connsiteY15"/>
+              </a:cxn>
+              <a:cxn ang="0">
+                <a:pos x="connsiteX16" y="connsiteY16"/>
+              </a:cxn>
+              <a:cxn ang="0">
+                <a:pos x="connsiteX17" y="connsiteY17"/>
+              </a:cxn>
+              <a:cxn ang="0">
+                <a:pos x="connsiteX18" y="connsiteY18"/>
+              </a:cxn>
+              <a:cxn ang="0">
+                <a:pos x="connsiteX19" y="connsiteY19"/>
+              </a:cxn>
+              <a:cxn ang="0">
+                <a:pos x="connsiteX20" y="connsiteY20"/>
+              </a:cxn>
+              <a:cxn ang="0">
+                <a:pos x="connsiteX21" y="connsiteY21"/>
+              </a:cxn>
+              <a:cxn ang="0">
+                <a:pos x="connsiteX22" y="connsiteY22"/>
+              </a:cxn>
+              <a:cxn ang="0">
+                <a:pos x="connsiteX23" y="connsiteY23"/>
+              </a:cxn>
+              <a:cxn ang="0">
+                <a:pos x="connsiteX24" y="connsiteY24"/>
+              </a:cxn>
+              <a:cxn ang="0">
+                <a:pos x="connsiteX25" y="connsiteY25"/>
+              </a:cxn>
+              <a:cxn ang="0">
+                <a:pos x="connsiteX26" y="connsiteY26"/>
+              </a:cxn>
+              <a:cxn ang="0">
+                <a:pos x="connsiteX27" y="connsiteY27"/>
+              </a:cxn>
+              <a:cxn ang="0">
+                <a:pos x="connsiteX28" y="connsiteY28"/>
+              </a:cxn>
+              <a:cxn ang="0">
+                <a:pos x="connsiteX29" y="connsiteY29"/>
+              </a:cxn>
+              <a:cxn ang="0">
+                <a:pos x="connsiteX30" y="connsiteY30"/>
+              </a:cxn>
+              <a:cxn ang="0">
+                <a:pos x="connsiteX31" y="connsiteY31"/>
+              </a:cxn>
+              <a:cxn ang="0">
+                <a:pos x="connsiteX32" y="connsiteY32"/>
+              </a:cxn>
+              <a:cxn ang="0">
+                <a:pos x="connsiteX33" y="connsiteY33"/>
+              </a:cxn>
+            </a:cxnLst>
+            <a:rect l="l" t="t" r="r" b="b"/>
+            <a:pathLst>
+              <a:path w="8077200" h="923330" extrusionOk="0">
+                <a:moveTo>
+                  <a:pt x="0" y="0"/>
+                </a:moveTo>
+                <a:cubicBezTo>
+                  <a:pt x="167901" y="-57789"/>
+                  <a:pt x="271892" y="53616"/>
+                  <a:pt x="496171" y="0"/>
+                </a:cubicBezTo>
+                <a:cubicBezTo>
+                  <a:pt x="720450" y="-53616"/>
+                  <a:pt x="720963" y="30330"/>
+                  <a:pt x="830798" y="0"/>
+                </a:cubicBezTo>
+                <a:cubicBezTo>
+                  <a:pt x="940633" y="-30330"/>
+                  <a:pt x="1246528" y="76603"/>
+                  <a:pt x="1569285" y="0"/>
+                </a:cubicBezTo>
+                <a:cubicBezTo>
+                  <a:pt x="1892042" y="-76603"/>
+                  <a:pt x="1822831" y="32081"/>
+                  <a:pt x="2065455" y="0"/>
+                </a:cubicBezTo>
+                <a:cubicBezTo>
+                  <a:pt x="2308079" y="-32081"/>
+                  <a:pt x="2415430" y="8907"/>
+                  <a:pt x="2561626" y="0"/>
+                </a:cubicBezTo>
+                <a:cubicBezTo>
+                  <a:pt x="2707822" y="-8907"/>
+                  <a:pt x="2971095" y="45026"/>
+                  <a:pt x="3300113" y="0"/>
+                </a:cubicBezTo>
+                <a:cubicBezTo>
+                  <a:pt x="3629131" y="-45026"/>
+                  <a:pt x="3587007" y="2867"/>
+                  <a:pt x="3715512" y="0"/>
+                </a:cubicBezTo>
+                <a:cubicBezTo>
+                  <a:pt x="3844017" y="-2867"/>
+                  <a:pt x="4208274" y="58486"/>
+                  <a:pt x="4453999" y="0"/>
+                </a:cubicBezTo>
+                <a:cubicBezTo>
+                  <a:pt x="4699724" y="-58486"/>
+                  <a:pt x="5043655" y="52905"/>
+                  <a:pt x="5192486" y="0"/>
+                </a:cubicBezTo>
+                <a:cubicBezTo>
+                  <a:pt x="5341317" y="-52905"/>
+                  <a:pt x="5548218" y="65309"/>
+                  <a:pt x="5769429" y="0"/>
+                </a:cubicBezTo>
+                <a:cubicBezTo>
+                  <a:pt x="5990640" y="-65309"/>
+                  <a:pt x="6335969" y="61873"/>
+                  <a:pt x="6507915" y="0"/>
+                </a:cubicBezTo>
+                <a:cubicBezTo>
+                  <a:pt x="6679861" y="-61873"/>
+                  <a:pt x="6775020" y="10851"/>
+                  <a:pt x="7004086" y="0"/>
+                </a:cubicBezTo>
+                <a:cubicBezTo>
+                  <a:pt x="7233152" y="-10851"/>
+                  <a:pt x="7360327" y="52790"/>
+                  <a:pt x="7500257" y="0"/>
+                </a:cubicBezTo>
+                <a:cubicBezTo>
+                  <a:pt x="7640187" y="-52790"/>
+                  <a:pt x="7869026" y="18661"/>
+                  <a:pt x="8077200" y="0"/>
+                </a:cubicBezTo>
+                <a:cubicBezTo>
+                  <a:pt x="8120703" y="102521"/>
+                  <a:pt x="8072724" y="304944"/>
+                  <a:pt x="8077200" y="452432"/>
+                </a:cubicBezTo>
+                <a:cubicBezTo>
+                  <a:pt x="8081676" y="599920"/>
+                  <a:pt x="8067710" y="716220"/>
+                  <a:pt x="8077200" y="923330"/>
+                </a:cubicBezTo>
+                <a:cubicBezTo>
+                  <a:pt x="7898824" y="925146"/>
+                  <a:pt x="7560267" y="873234"/>
+                  <a:pt x="7419485" y="923330"/>
+                </a:cubicBezTo>
+                <a:cubicBezTo>
+                  <a:pt x="7278704" y="973426"/>
+                  <a:pt x="6985817" y="876227"/>
+                  <a:pt x="6842542" y="923330"/>
+                </a:cubicBezTo>
+                <a:cubicBezTo>
+                  <a:pt x="6699267" y="970433"/>
+                  <a:pt x="6630476" y="891574"/>
+                  <a:pt x="6507915" y="923330"/>
+                </a:cubicBezTo>
+                <a:cubicBezTo>
+                  <a:pt x="6385354" y="955086"/>
+                  <a:pt x="6222924" y="882915"/>
+                  <a:pt x="6092517" y="923330"/>
+                </a:cubicBezTo>
+                <a:cubicBezTo>
+                  <a:pt x="5962110" y="963745"/>
+                  <a:pt x="5661784" y="844094"/>
+                  <a:pt x="5354030" y="923330"/>
+                </a:cubicBezTo>
+                <a:cubicBezTo>
+                  <a:pt x="5046276" y="1002566"/>
+                  <a:pt x="5053874" y="913225"/>
+                  <a:pt x="4777087" y="923330"/>
+                </a:cubicBezTo>
+                <a:cubicBezTo>
+                  <a:pt x="4500300" y="933435"/>
+                  <a:pt x="4492059" y="904206"/>
+                  <a:pt x="4361688" y="923330"/>
+                </a:cubicBezTo>
+                <a:cubicBezTo>
+                  <a:pt x="4231317" y="942454"/>
+                  <a:pt x="3944477" y="885247"/>
+                  <a:pt x="3784745" y="923330"/>
+                </a:cubicBezTo>
+                <a:cubicBezTo>
+                  <a:pt x="3625013" y="961413"/>
+                  <a:pt x="3593839" y="898052"/>
+                  <a:pt x="3450118" y="923330"/>
+                </a:cubicBezTo>
+                <a:cubicBezTo>
+                  <a:pt x="3306397" y="948608"/>
+                  <a:pt x="3232741" y="897125"/>
+                  <a:pt x="3115491" y="923330"/>
+                </a:cubicBezTo>
+                <a:cubicBezTo>
+                  <a:pt x="2998241" y="949535"/>
+                  <a:pt x="2718415" y="910315"/>
+                  <a:pt x="2538549" y="923330"/>
+                </a:cubicBezTo>
+                <a:cubicBezTo>
+                  <a:pt x="2358683" y="936345"/>
+                  <a:pt x="2271701" y="897403"/>
+                  <a:pt x="2123150" y="923330"/>
+                </a:cubicBezTo>
+                <a:cubicBezTo>
+                  <a:pt x="1974599" y="949257"/>
+                  <a:pt x="1658981" y="882936"/>
+                  <a:pt x="1465435" y="923330"/>
+                </a:cubicBezTo>
+                <a:cubicBezTo>
+                  <a:pt x="1271889" y="963724"/>
+                  <a:pt x="1194013" y="916757"/>
+                  <a:pt x="1050036" y="923330"/>
+                </a:cubicBezTo>
+                <a:cubicBezTo>
+                  <a:pt x="906059" y="929903"/>
+                  <a:pt x="251531" y="915568"/>
+                  <a:pt x="0" y="923330"/>
+                </a:cubicBezTo>
+                <a:cubicBezTo>
+                  <a:pt x="-33552" y="793396"/>
+                  <a:pt x="3563" y="583318"/>
+                  <a:pt x="0" y="489365"/>
+                </a:cubicBezTo>
+                <a:cubicBezTo>
+                  <a:pt x="-3563" y="395413"/>
+                  <a:pt x="25826" y="181492"/>
+                  <a:pt x="0" y="0"/>
+                </a:cubicBezTo>
+                <a:close/>
+              </a:path>
+            </a:pathLst>
+          </a:custGeom>
+          <a:noFill/>
+          <a:ln>
+            <a:solidFill>
+              <a:srgbClr val="0070C0"/>
+            </a:solidFill>
+            <a:extLst>
+              <a:ext uri="{C807C97D-BFC1-408E-A445-0C87EB9F89A2}">
+                <ask:lineSketchStyleProps xmlns:ask="http://schemas.microsoft.com/office/drawing/2018/sketchyshapes" sd="1219033472">
+                  <a:prstGeom prst="rect">
+                    <a:avLst/>
+                  </a:prstGeom>
+                  <ask:type>
+                    <ask:lineSketchScribble/>
+                  </ask:type>
+                </ask:lineSketchStyleProps>
+              </a:ext>
+            </a:extLst>
+          </a:ln>
+        </p:spPr>
+        <p:txBody>
+          <a:bodyPr wrap="square" rtlCol="0">
+            <a:spAutoFit/>
+          </a:bodyPr>
+          <a:lstStyle/>
+          <a:p>
+            <a:r>
+              <a:rPr lang="en-US" dirty="0"/>
+              <a:t>Recall: in R, an interaction term, </a:t>
+            </a:r>
+            <a:r>
+              <a:rPr lang="en-US" b="1" dirty="0">
+                <a:latin typeface="Courier New" panose="02070309020205020404" pitchFamily="49" charset="0"/>
+                <a:cs typeface="Courier New" panose="02070309020205020404" pitchFamily="49" charset="0"/>
+              </a:rPr>
+              <a:t>A:B </a:t>
+            </a:r>
+            <a:r>
+              <a:rPr lang="en-US" dirty="0"/>
+              <a:t>is represented by the </a:t>
+            </a:r>
+            <a:r>
+              <a:rPr lang="en-US" dirty="0">
+                <a:solidFill>
+                  <a:srgbClr val="0070C0"/>
+                </a:solidFill>
+              </a:rPr>
+              <a:t>product</a:t>
+            </a:r>
+            <a:r>
+              <a:rPr lang="en-US" dirty="0"/>
+              <a:t>, a</a:t>
+            </a:r>
+            <a:r>
+              <a:rPr lang="en-US" baseline="-25000" dirty="0"/>
+              <a:t>i</a:t>
+            </a:r>
+            <a:r>
+              <a:rPr lang="en-US" dirty="0"/>
+              <a:t> × </a:t>
+            </a:r>
+            <a:r>
+              <a:rPr lang="en-US" dirty="0" err="1"/>
+              <a:t>b</a:t>
+            </a:r>
+            <a:r>
+              <a:rPr lang="en-US" baseline="-25000" dirty="0" err="1"/>
+              <a:t>j</a:t>
+            </a:r>
+            <a:r>
+              <a:rPr lang="en-US" dirty="0"/>
+              <a:t> of the parameters, a</a:t>
+            </a:r>
+            <a:r>
+              <a:rPr lang="en-US" baseline="-25000" dirty="0"/>
+              <a:t>i</a:t>
+            </a:r>
+            <a:r>
+              <a:rPr lang="en-US" dirty="0"/>
+              <a:t>, </a:t>
+            </a:r>
+            <a:r>
+              <a:rPr lang="en-US" dirty="0" err="1"/>
+              <a:t>b</a:t>
+            </a:r>
+            <a:r>
+              <a:rPr lang="en-US" baseline="-25000" dirty="0" err="1"/>
+              <a:t>j</a:t>
+            </a:r>
+            <a:r>
+              <a:rPr lang="en-US" dirty="0"/>
+              <a:t>,  for the factors.</a:t>
+            </a:r>
+          </a:p>
+          <a:p>
+            <a:r>
+              <a:rPr lang="en-US" sz="1600" dirty="0" err="1">
+                <a:latin typeface="Courier New" panose="02070309020205020404" pitchFamily="49" charset="0"/>
+                <a:cs typeface="Courier New" panose="02070309020205020404" pitchFamily="49" charset="0"/>
+              </a:rPr>
+              <a:t>Rscore</a:t>
+            </a:r>
+            <a:r>
+              <a:rPr lang="en-US" sz="1600" dirty="0">
+                <a:latin typeface="Courier New" panose="02070309020205020404" pitchFamily="49" charset="0"/>
+                <a:cs typeface="Courier New" panose="02070309020205020404" pitchFamily="49" charset="0"/>
+              </a:rPr>
+              <a:t>, </a:t>
+            </a:r>
+            <a:r>
+              <a:rPr lang="en-US" sz="1600" dirty="0" err="1">
+                <a:latin typeface="Courier New" panose="02070309020205020404" pitchFamily="49" charset="0"/>
+                <a:cs typeface="Courier New" panose="02070309020205020404" pitchFamily="49" charset="0"/>
+              </a:rPr>
+              <a:t>Cscore</a:t>
+            </a:r>
+            <a:r>
+              <a:rPr lang="en-US" sz="1600" dirty="0">
+                <a:latin typeface="Courier New" panose="02070309020205020404" pitchFamily="49" charset="0"/>
+                <a:cs typeface="Courier New" panose="02070309020205020404" pitchFamily="49" charset="0"/>
+              </a:rPr>
+              <a:t> </a:t>
+            </a:r>
+            <a:r>
+              <a:rPr lang="en-US" dirty="0"/>
+              <a:t>here are just </a:t>
+            </a:r>
+            <a:r>
+              <a:rPr lang="en-US" dirty="0">
+                <a:solidFill>
+                  <a:srgbClr val="0070C0"/>
+                </a:solidFill>
+              </a:rPr>
+              <a:t>numbers</a:t>
+            </a:r>
+            <a:r>
+              <a:rPr lang="en-US" dirty="0"/>
+              <a:t>, so are not estimated parameters</a:t>
+            </a:r>
+          </a:p>
+        </p:txBody>
+      </p:sp>
     </p:spTree>
     <p:extLst>
       <p:ext uri="{BB962C8B-B14F-4D97-AF65-F5344CB8AC3E}">
@@ -15494,12 +16580,32 @@
           <a:lstStyle/>
           <a:p>
             <a:r>
-              <a:rPr lang="en-US" dirty="0" err="1"/>
+              <a:rPr lang="en-US" b="1" dirty="0" err="1">
+                <a:solidFill>
+                  <a:schemeClr val="accent6">
+                    <a:lumMod val="50000"/>
+                  </a:schemeClr>
+                </a:solidFill>
+                <a:latin typeface="Courier New" panose="02070309020205020404" pitchFamily="49" charset="0"/>
+                <a:cs typeface="Courier New" panose="02070309020205020404" pitchFamily="49" charset="0"/>
+              </a:rPr>
               <a:t>anova</a:t>
             </a:r>
             <a:r>
+              <a:rPr lang="en-US" b="1" dirty="0">
+                <a:solidFill>
+                  <a:schemeClr val="accent6">
+                    <a:lumMod val="50000"/>
+                  </a:schemeClr>
+                </a:solidFill>
+                <a:latin typeface="Courier New" panose="02070309020205020404" pitchFamily="49" charset="0"/>
+                <a:cs typeface="Courier New" panose="02070309020205020404" pitchFamily="49" charset="0"/>
+              </a:rPr>
+              <a:t>() </a:t>
+            </a:r>
+            <a:r>
               <a:rPr lang="en-US" dirty="0"/>
-              <a:t>() again gives tests of </a:t>
+              <a:t>again gives tests of </a:t>
             </a:r>
             <a:r>
               <a:rPr lang="en-US" dirty="0">
@@ -16093,7 +17199,7 @@
         </p:blipFill>
         <p:spPr>
           <a:xfrm>
-            <a:off x="486286" y="1433762"/>
+            <a:off x="486286" y="2562724"/>
             <a:ext cx="8171428" cy="3990476"/>
           </a:xfrm>
           <a:prstGeom prst="rect">
@@ -16101,6 +17207,159 @@
           </a:prstGeom>
         </p:spPr>
       </p:pic>
+      <p:sp>
+        <p:nvSpPr>
+          <p:cNvPr id="5" name="TextBox 4">
+            <a:extLst>
+              <a:ext uri="{FF2B5EF4-FFF2-40B4-BE49-F238E27FC236}">
+                <a16:creationId xmlns:a16="http://schemas.microsoft.com/office/drawing/2014/main" id="{80680519-333B-463C-AACA-12BE9ED9509A}"/>
+              </a:ext>
+            </a:extLst>
+          </p:cNvPr>
+          <p:cNvSpPr txBox="1"/>
+          <p:nvPr/>
+        </p:nvSpPr>
+        <p:spPr>
+          <a:xfrm>
+            <a:off x="457200" y="1219200"/>
+            <a:ext cx="8229600" cy="830997"/>
+          </a:xfrm>
+          <a:prstGeom prst="rect">
+            <a:avLst/>
+          </a:prstGeom>
+          <a:solidFill>
+            <a:schemeClr val="accent6">
+              <a:lumMod val="20000"/>
+              <a:lumOff val="80000"/>
+              <a:alpha val="60000"/>
+            </a:schemeClr>
+          </a:solidFill>
+        </p:spPr>
+        <p:txBody>
+          <a:bodyPr wrap="square" rtlCol="0">
+            <a:spAutoFit/>
+          </a:bodyPr>
+          <a:lstStyle/>
+          <a:p>
+            <a:r>
+              <a:rPr lang="en-US" sz="1600" dirty="0">
+                <a:latin typeface="Courier New" panose="02070309020205020404" pitchFamily="49" charset="0"/>
+                <a:cs typeface="Courier New" panose="02070309020205020404" pitchFamily="49" charset="0"/>
+              </a:rPr>
+              <a:t>rc2 &lt;- </a:t>
+            </a:r>
+            <a:r>
+              <a:rPr lang="en-US" sz="1600" dirty="0" err="1">
+                <a:latin typeface="Courier New" panose="02070309020205020404" pitchFamily="49" charset="0"/>
+                <a:cs typeface="Courier New" panose="02070309020205020404" pitchFamily="49" charset="0"/>
+              </a:rPr>
+              <a:t>rc</a:t>
+            </a:r>
+            <a:r>
+              <a:rPr lang="en-US" sz="1600" dirty="0">
+                <a:latin typeface="Courier New" panose="02070309020205020404" pitchFamily="49" charset="0"/>
+                <a:cs typeface="Courier New" panose="02070309020205020404" pitchFamily="49" charset="0"/>
+              </a:rPr>
+              <a:t>(</a:t>
+            </a:r>
+            <a:r>
+              <a:rPr lang="en-US" sz="1600" dirty="0" err="1">
+                <a:latin typeface="Courier New" panose="02070309020205020404" pitchFamily="49" charset="0"/>
+                <a:cs typeface="Courier New" panose="02070309020205020404" pitchFamily="49" charset="0"/>
+              </a:rPr>
+              <a:t>Mental.tab</a:t>
+            </a:r>
+            <a:r>
+              <a:rPr lang="en-US" sz="1600" dirty="0">
+                <a:latin typeface="Courier New" panose="02070309020205020404" pitchFamily="49" charset="0"/>
+                <a:cs typeface="Courier New" panose="02070309020205020404" pitchFamily="49" charset="0"/>
+              </a:rPr>
+              <a:t>, </a:t>
+            </a:r>
+            <a:r>
+              <a:rPr lang="en-US" sz="1600" dirty="0" err="1">
+                <a:latin typeface="Courier New" panose="02070309020205020404" pitchFamily="49" charset="0"/>
+                <a:cs typeface="Courier New" panose="02070309020205020404" pitchFamily="49" charset="0"/>
+              </a:rPr>
+              <a:t>nd</a:t>
+            </a:r>
+            <a:r>
+              <a:rPr lang="en-US" sz="1600" dirty="0">
+                <a:latin typeface="Courier New" panose="02070309020205020404" pitchFamily="49" charset="0"/>
+                <a:cs typeface="Courier New" panose="02070309020205020404" pitchFamily="49" charset="0"/>
+              </a:rPr>
+              <a:t>=2, weighting="marginal", se="jackknife")</a:t>
+            </a:r>
+          </a:p>
+          <a:p>
+            <a:r>
+              <a:rPr lang="en-US" sz="1600" dirty="0" err="1">
+                <a:latin typeface="Courier New" panose="02070309020205020404" pitchFamily="49" charset="0"/>
+                <a:cs typeface="Courier New" panose="02070309020205020404" pitchFamily="49" charset="0"/>
+              </a:rPr>
+              <a:t>coords</a:t>
+            </a:r>
+            <a:r>
+              <a:rPr lang="en-US" sz="1600" dirty="0">
+                <a:latin typeface="Courier New" panose="02070309020205020404" pitchFamily="49" charset="0"/>
+                <a:cs typeface="Courier New" panose="02070309020205020404" pitchFamily="49" charset="0"/>
+              </a:rPr>
+              <a:t>  &lt;- plot(rc2, </a:t>
+            </a:r>
+            <a:r>
+              <a:rPr lang="en-US" sz="1600" dirty="0" err="1">
+                <a:latin typeface="Courier New" panose="02070309020205020404" pitchFamily="49" charset="0"/>
+                <a:cs typeface="Courier New" panose="02070309020205020404" pitchFamily="49" charset="0"/>
+              </a:rPr>
+              <a:t>conf.ellipses</a:t>
+            </a:r>
+            <a:r>
+              <a:rPr lang="en-US" sz="1600" dirty="0">
+                <a:latin typeface="Courier New" panose="02070309020205020404" pitchFamily="49" charset="0"/>
+                <a:cs typeface="Courier New" panose="02070309020205020404" pitchFamily="49" charset="0"/>
+              </a:rPr>
+              <a:t>=0.68, </a:t>
+            </a:r>
+            <a:r>
+              <a:rPr lang="en-US" sz="1600" dirty="0" err="1">
+                <a:latin typeface="Courier New" panose="02070309020205020404" pitchFamily="49" charset="0"/>
+                <a:cs typeface="Courier New" panose="02070309020205020404" pitchFamily="49" charset="0"/>
+              </a:rPr>
+              <a:t>cex</a:t>
+            </a:r>
+            <a:r>
+              <a:rPr lang="en-US" sz="1600" dirty="0">
+                <a:latin typeface="Courier New" panose="02070309020205020404" pitchFamily="49" charset="0"/>
+                <a:cs typeface="Courier New" panose="02070309020205020404" pitchFamily="49" charset="0"/>
+              </a:rPr>
+              <a:t>=1.5, </a:t>
+            </a:r>
+          </a:p>
+          <a:p>
+            <a:r>
+              <a:rPr lang="en-US" sz="1600" dirty="0">
+                <a:latin typeface="Courier New" panose="02070309020205020404" pitchFamily="49" charset="0"/>
+                <a:cs typeface="Courier New" panose="02070309020205020404" pitchFamily="49" charset="0"/>
+              </a:rPr>
+              <a:t>                </a:t>
+            </a:r>
+            <a:r>
+              <a:rPr lang="en-US" sz="1600" dirty="0" err="1">
+                <a:latin typeface="Courier New" panose="02070309020205020404" pitchFamily="49" charset="0"/>
+                <a:cs typeface="Courier New" panose="02070309020205020404" pitchFamily="49" charset="0"/>
+              </a:rPr>
+              <a:t>rev.axes</a:t>
+            </a:r>
+            <a:r>
+              <a:rPr lang="en-US" sz="1600" dirty="0">
+                <a:latin typeface="Courier New" panose="02070309020205020404" pitchFamily="49" charset="0"/>
+                <a:cs typeface="Courier New" panose="02070309020205020404" pitchFamily="49" charset="0"/>
+              </a:rPr>
+              <a:t>=c(TRUE, FALSE))</a:t>
+            </a:r>
+          </a:p>
+        </p:txBody>
+      </p:sp>
     </p:spTree>
     <p:extLst>
       <p:ext uri="{BB962C8B-B14F-4D97-AF65-F5344CB8AC3E}">
@@ -18347,7 +19606,7 @@
             </a:r>
             <a:r>
               <a:rPr lang="en-US" dirty="0"/>
-              <a:t>: The diagonal cells are force to fit </a:t>
+              <a:t>: The diagonal cells are forced to fit </a:t>
             </a:r>
             <a:r>
               <a:rPr lang="en-US" dirty="0">
@@ -18365,7 +19624,19 @@
           <a:p>
             <a:r>
               <a:rPr lang="en-US" dirty="0"/>
-              <a:t>Lack-of-fit appears in the symmetrically opposite cells</a:t>
+              <a:t>Lack-of-fit appears in the </a:t>
+            </a:r>
+            <a:r>
+              <a:rPr lang="en-US" dirty="0">
+                <a:solidFill>
+                  <a:srgbClr val="0070C0"/>
+                </a:solidFill>
+              </a:rPr>
+              <a:t>symmetrically opposite </a:t>
+            </a:r>
+            <a:r>
+              <a:rPr lang="en-US" dirty="0"/>
+              <a:t>cells</a:t>
             </a:r>
           </a:p>
         </p:txBody>
@@ -25007,7 +26278,7 @@
         <p:spPr>
           <a:xfrm>
             <a:off x="457200" y="1219200"/>
-            <a:ext cx="8229600" cy="369332"/>
+            <a:ext cx="8229600" cy="400110"/>
           </a:xfrm>
           <a:prstGeom prst="rect">
             <a:avLst/>
@@ -25021,15 +26292,15 @@
           <a:lstStyle/>
           <a:p>
             <a:r>
-              <a:rPr lang="en-US" dirty="0"/>
+              <a:rPr lang="en-US" sz="2000" dirty="0"/>
               <a:t>Plot these as shaded squares using </a:t>
             </a:r>
             <a:r>
-              <a:rPr lang="en-US" dirty="0" err="1"/>
+              <a:rPr lang="en-US" sz="2000" dirty="0" err="1"/>
               <a:t>corrplot</a:t>
             </a:r>
             <a:r>
-              <a:rPr lang="en-US" dirty="0"/>
+              <a:rPr lang="en-US" sz="2000" dirty="0"/>
               <a:t>()</a:t>
             </a:r>
           </a:p>
@@ -25175,7 +26446,7 @@
         <p:spPr>
           <a:xfrm>
             <a:off x="457200" y="1219200"/>
-            <a:ext cx="8229600" cy="369332"/>
+            <a:ext cx="8229600" cy="400110"/>
           </a:xfrm>
           <a:prstGeom prst="rect">
             <a:avLst/>
@@ -25189,15 +26460,15 @@
           <a:lstStyle/>
           <a:p>
             <a:r>
-              <a:rPr lang="en-US" dirty="0"/>
+              <a:rPr lang="en-US" sz="2000" dirty="0"/>
               <a:t>Plot these as a line plot using </a:t>
             </a:r>
             <a:r>
-              <a:rPr lang="en-US" dirty="0" err="1"/>
+              <a:rPr lang="en-US" sz="2000" dirty="0" err="1"/>
               <a:t>matplot</a:t>
             </a:r>
             <a:r>
-              <a:rPr lang="en-US" dirty="0"/>
+              <a:rPr lang="en-US" sz="2000" dirty="0"/>
               <a:t>()</a:t>
             </a:r>
           </a:p>
@@ -26500,6 +27771,135 @@
   <p:clrMapOvr>
     <a:masterClrMapping/>
   </p:clrMapOvr>
+  <p:timing>
+    <p:tnLst>
+      <p:par>
+        <p:cTn id="1" dur="indefinite" restart="never" nodeType="tmRoot">
+          <p:childTnLst>
+            <p:seq concurrent="1" nextAc="seek">
+              <p:cTn id="2" dur="indefinite" nodeType="mainSeq">
+                <p:childTnLst>
+                  <p:par>
+                    <p:cTn id="3" fill="hold">
+                      <p:stCondLst>
+                        <p:cond delay="indefinite"/>
+                      </p:stCondLst>
+                      <p:childTnLst>
+                        <p:par>
+                          <p:cTn id="4" fill="hold">
+                            <p:stCondLst>
+                              <p:cond delay="0"/>
+                            </p:stCondLst>
+                            <p:childTnLst>
+                              <p:par>
+                                <p:cTn id="5" presetID="42" presetClass="entr" presetSubtype="0" fill="hold" nodeType="clickEffect">
+                                  <p:stCondLst>
+                                    <p:cond delay="0"/>
+                                  </p:stCondLst>
+                                  <p:childTnLst>
+                                    <p:set>
+                                      <p:cBhvr>
+                                        <p:cTn id="6" dur="1" fill="hold">
+                                          <p:stCondLst>
+                                            <p:cond delay="0"/>
+                                          </p:stCondLst>
+                                        </p:cTn>
+                                        <p:tgtEl>
+                                          <p:spTgt spid="7"/>
+                                        </p:tgtEl>
+                                        <p:attrNameLst>
+                                          <p:attrName>style.visibility</p:attrName>
+                                        </p:attrNameLst>
+                                      </p:cBhvr>
+                                      <p:to>
+                                        <p:strVal val="visible"/>
+                                      </p:to>
+                                    </p:set>
+                                    <p:animEffect transition="in" filter="fade">
+                                      <p:cBhvr>
+                                        <p:cTn id="7" dur="1000"/>
+                                        <p:tgtEl>
+                                          <p:spTgt spid="7"/>
+                                        </p:tgtEl>
+                                      </p:cBhvr>
+                                    </p:animEffect>
+                                    <p:anim calcmode="lin" valueType="num">
+                                      <p:cBhvr>
+                                        <p:cTn id="8" dur="1000" fill="hold"/>
+                                        <p:tgtEl>
+                                          <p:spTgt spid="7"/>
+                                        </p:tgtEl>
+                                        <p:attrNameLst>
+                                          <p:attrName>ppt_x</p:attrName>
+                                        </p:attrNameLst>
+                                      </p:cBhvr>
+                                      <p:tavLst>
+                                        <p:tav tm="0">
+                                          <p:val>
+                                            <p:strVal val="#ppt_x"/>
+                                          </p:val>
+                                        </p:tav>
+                                        <p:tav tm="100000">
+                                          <p:val>
+                                            <p:strVal val="#ppt_x"/>
+                                          </p:val>
+                                        </p:tav>
+                                      </p:tavLst>
+                                    </p:anim>
+                                    <p:anim calcmode="lin" valueType="num">
+                                      <p:cBhvr>
+                                        <p:cTn id="9" dur="1000" fill="hold"/>
+                                        <p:tgtEl>
+                                          <p:spTgt spid="7"/>
+                                        </p:tgtEl>
+                                        <p:attrNameLst>
+                                          <p:attrName>ppt_y</p:attrName>
+                                        </p:attrNameLst>
+                                      </p:cBhvr>
+                                      <p:tavLst>
+                                        <p:tav tm="0">
+                                          <p:val>
+                                            <p:strVal val="#ppt_y+.1"/>
+                                          </p:val>
+                                        </p:tav>
+                                        <p:tav tm="100000">
+                                          <p:val>
+                                            <p:strVal val="#ppt_y"/>
+                                          </p:val>
+                                        </p:tav>
+                                      </p:tavLst>
+                                    </p:anim>
+                                  </p:childTnLst>
+                                </p:cTn>
+                              </p:par>
+                            </p:childTnLst>
+                          </p:cTn>
+                        </p:par>
+                      </p:childTnLst>
+                    </p:cTn>
+                  </p:par>
+                </p:childTnLst>
+              </p:cTn>
+              <p:prevCondLst>
+                <p:cond evt="onPrev" delay="0">
+                  <p:tgtEl>
+                    <p:sldTgt/>
+                  </p:tgtEl>
+                </p:cond>
+              </p:prevCondLst>
+              <p:nextCondLst>
+                <p:cond evt="onNext" delay="0">
+                  <p:tgtEl>
+                    <p:sldTgt/>
+                  </p:tgtEl>
+                </p:cond>
+              </p:nextCondLst>
+            </p:seq>
+          </p:childTnLst>
+        </p:cTn>
+      </p:par>
+    </p:tnLst>
+  </p:timing>
 </p:sld>
 </file>
 

--- a/lectures/08-Loglin2.pptx
+++ b/lectures/08-Loglin2.pptx
@@ -390,7 +390,7 @@
           <a:p>
             <a:fld id="{08BD4FA9-F3CE-45B3-A980-C331C6F1EF65}" type="datetimeFigureOut">
               <a:rPr lang="en-US" smtClean="0"/>
-              <a:t>12/15/2022</a:t>
+              <a:t>2/14/2023</a:t>
             </a:fld>
             <a:endParaRPr lang="en-US"/>
           </a:p>
@@ -555,7 +555,7 @@
           <a:p>
             <a:fld id="{C16FE993-EADB-4F9C-A20B-913B18CC7060}" type="datetimeFigureOut">
               <a:rPr lang="en-US" smtClean="0"/>
-              <a:t>12/15/2022</a:t>
+              <a:t>2/14/2023</a:t>
             </a:fld>
             <a:endParaRPr lang="en-US"/>
           </a:p>
@@ -1096,7 +1096,7 @@
           <a:p>
             <a:fld id="{EAAD3657-2200-4D14-82C0-10C39B0F0F06}" type="datetime1">
               <a:rPr lang="en-US" smtClean="0"/>
-              <a:t>12/15/2022</a:t>
+              <a:t>2/14/2023</a:t>
             </a:fld>
             <a:endParaRPr lang="en-US"/>
           </a:p>
@@ -1264,7 +1264,7 @@
           <a:p>
             <a:fld id="{11BBAF55-A85E-4993-914E-FC1E5AA7DF24}" type="datetime1">
               <a:rPr lang="en-US" smtClean="0"/>
-              <a:t>12/15/2022</a:t>
+              <a:t>2/14/2023</a:t>
             </a:fld>
             <a:endParaRPr lang="en-US"/>
           </a:p>
@@ -1442,7 +1442,7 @@
           <a:p>
             <a:fld id="{39816E07-E1DB-44A4-A5E5-9F4B54E8C933}" type="datetime1">
               <a:rPr lang="en-US" smtClean="0"/>
-              <a:t>12/15/2022</a:t>
+              <a:t>2/14/2023</a:t>
             </a:fld>
             <a:endParaRPr lang="en-US"/>
           </a:p>
@@ -1627,7 +1627,7 @@
           <a:p>
             <a:fld id="{C2B1AD17-B813-4477-8AFE-B1860CC59113}" type="datetime1">
               <a:rPr lang="en-US" smtClean="0"/>
-              <a:t>12/15/2022</a:t>
+              <a:t>2/14/2023</a:t>
             </a:fld>
             <a:endParaRPr lang="en-US"/>
           </a:p>
@@ -1872,7 +1872,7 @@
           <a:p>
             <a:fld id="{D0975C0D-5C9E-48CC-8D31-F42D19FA8F7A}" type="datetime1">
               <a:rPr lang="en-US" smtClean="0"/>
-              <a:t>12/15/2022</a:t>
+              <a:t>2/14/2023</a:t>
             </a:fld>
             <a:endParaRPr lang="en-US"/>
           </a:p>
@@ -2157,7 +2157,7 @@
           <a:p>
             <a:fld id="{28657551-0F2B-4F09-86FD-F7994CE83DC5}" type="datetime1">
               <a:rPr lang="en-US" smtClean="0"/>
-              <a:t>12/15/2022</a:t>
+              <a:t>2/14/2023</a:t>
             </a:fld>
             <a:endParaRPr lang="en-US"/>
           </a:p>
@@ -2576,7 +2576,7 @@
           <a:p>
             <a:fld id="{3929D2B2-4200-46B9-96C3-02A55D5FAA00}" type="datetime1">
               <a:rPr lang="en-US" smtClean="0"/>
-              <a:t>12/15/2022</a:t>
+              <a:t>2/14/2023</a:t>
             </a:fld>
             <a:endParaRPr lang="en-US"/>
           </a:p>
@@ -2693,7 +2693,7 @@
           <a:p>
             <a:fld id="{41FF7722-74E8-497F-A072-89677A2C2373}" type="datetime1">
               <a:rPr lang="en-US" smtClean="0"/>
-              <a:t>12/15/2022</a:t>
+              <a:t>2/14/2023</a:t>
             </a:fld>
             <a:endParaRPr lang="en-US"/>
           </a:p>
@@ -2788,7 +2788,7 @@
           <a:p>
             <a:fld id="{BD26212E-B46B-426F-AE59-AA326827D9E0}" type="datetime1">
               <a:rPr lang="en-US" smtClean="0"/>
-              <a:t>12/15/2022</a:t>
+              <a:t>2/14/2023</a:t>
             </a:fld>
             <a:endParaRPr lang="en-US"/>
           </a:p>
@@ -3063,7 +3063,7 @@
           <a:p>
             <a:fld id="{FB9B81E8-09EA-4684-A39F-38DE1E49D20C}" type="datetime1">
               <a:rPr lang="en-US" smtClean="0"/>
-              <a:t>12/15/2022</a:t>
+              <a:t>2/14/2023</a:t>
             </a:fld>
             <a:endParaRPr lang="en-US"/>
           </a:p>
@@ -3315,7 +3315,7 @@
           <a:p>
             <a:fld id="{35C5CC5F-056C-4047-9A5C-9F5B4BED129B}" type="datetime1">
               <a:rPr lang="en-US" smtClean="0"/>
-              <a:t>12/15/2022</a:t>
+              <a:t>2/14/2023</a:t>
             </a:fld>
             <a:endParaRPr lang="en-US"/>
           </a:p>
@@ -3529,7 +3529,7 @@
           <a:p>
             <a:fld id="{E8171053-07BD-4A17-AC24-0A22EAA36098}" type="datetime1">
               <a:rPr lang="en-US" smtClean="0"/>
-              <a:t>12/15/2022</a:t>
+              <a:t>2/14/2023</a:t>
             </a:fld>
             <a:endParaRPr lang="en-US"/>
           </a:p>
@@ -5625,7 +5625,7 @@
         <p:spPr>
           <a:xfrm>
             <a:off x="533400" y="5638800"/>
-            <a:ext cx="8229600" cy="369332"/>
+            <a:ext cx="8229600" cy="400110"/>
           </a:xfrm>
           <a:prstGeom prst="rect">
             <a:avLst/>
@@ -5639,7 +5639,7 @@
           <a:lstStyle/>
           <a:p>
             <a:r>
-              <a:rPr lang="en-CA" dirty="0"/>
+              <a:rPr lang="en-CA" sz="2000" dirty="0"/>
               <a:t>Hmm, doesn’t look like a very good fit!</a:t>
             </a:r>
           </a:p>

--- a/lectures/08-Loglin2.pptx
+++ b/lectures/08-Loglin2.pptx
@@ -390,7 +390,7 @@
           <a:p>
             <a:fld id="{08BD4FA9-F3CE-45B3-A980-C331C6F1EF65}" type="datetimeFigureOut">
               <a:rPr lang="en-US" smtClean="0"/>
-              <a:t>2/14/2023</a:t>
+              <a:t>3/7/2023</a:t>
             </a:fld>
             <a:endParaRPr lang="en-US"/>
           </a:p>
@@ -555,7 +555,7 @@
           <a:p>
             <a:fld id="{C16FE993-EADB-4F9C-A20B-913B18CC7060}" type="datetimeFigureOut">
               <a:rPr lang="en-US" smtClean="0"/>
-              <a:t>2/14/2023</a:t>
+              <a:t>3/7/2023</a:t>
             </a:fld>
             <a:endParaRPr lang="en-US"/>
           </a:p>
@@ -1096,7 +1096,7 @@
           <a:p>
             <a:fld id="{EAAD3657-2200-4D14-82C0-10C39B0F0F06}" type="datetime1">
               <a:rPr lang="en-US" smtClean="0"/>
-              <a:t>2/14/2023</a:t>
+              <a:t>3/7/2023</a:t>
             </a:fld>
             <a:endParaRPr lang="en-US"/>
           </a:p>
@@ -1264,7 +1264,7 @@
           <a:p>
             <a:fld id="{11BBAF55-A85E-4993-914E-FC1E5AA7DF24}" type="datetime1">
               <a:rPr lang="en-US" smtClean="0"/>
-              <a:t>2/14/2023</a:t>
+              <a:t>3/7/2023</a:t>
             </a:fld>
             <a:endParaRPr lang="en-US"/>
           </a:p>
@@ -1442,7 +1442,7 @@
           <a:p>
             <a:fld id="{39816E07-E1DB-44A4-A5E5-9F4B54E8C933}" type="datetime1">
               <a:rPr lang="en-US" smtClean="0"/>
-              <a:t>2/14/2023</a:t>
+              <a:t>3/7/2023</a:t>
             </a:fld>
             <a:endParaRPr lang="en-US"/>
           </a:p>
@@ -1627,7 +1627,7 @@
           <a:p>
             <a:fld id="{C2B1AD17-B813-4477-8AFE-B1860CC59113}" type="datetime1">
               <a:rPr lang="en-US" smtClean="0"/>
-              <a:t>2/14/2023</a:t>
+              <a:t>3/7/2023</a:t>
             </a:fld>
             <a:endParaRPr lang="en-US"/>
           </a:p>
@@ -1872,7 +1872,7 @@
           <a:p>
             <a:fld id="{D0975C0D-5C9E-48CC-8D31-F42D19FA8F7A}" type="datetime1">
               <a:rPr lang="en-US" smtClean="0"/>
-              <a:t>2/14/2023</a:t>
+              <a:t>3/7/2023</a:t>
             </a:fld>
             <a:endParaRPr lang="en-US"/>
           </a:p>
@@ -2157,7 +2157,7 @@
           <a:p>
             <a:fld id="{28657551-0F2B-4F09-86FD-F7994CE83DC5}" type="datetime1">
               <a:rPr lang="en-US" smtClean="0"/>
-              <a:t>2/14/2023</a:t>
+              <a:t>3/7/2023</a:t>
             </a:fld>
             <a:endParaRPr lang="en-US"/>
           </a:p>
@@ -2576,7 +2576,7 @@
           <a:p>
             <a:fld id="{3929D2B2-4200-46B9-96C3-02A55D5FAA00}" type="datetime1">
               <a:rPr lang="en-US" smtClean="0"/>
-              <a:t>2/14/2023</a:t>
+              <a:t>3/7/2023</a:t>
             </a:fld>
             <a:endParaRPr lang="en-US"/>
           </a:p>
@@ -2693,7 +2693,7 @@
           <a:p>
             <a:fld id="{41FF7722-74E8-497F-A072-89677A2C2373}" type="datetime1">
               <a:rPr lang="en-US" smtClean="0"/>
-              <a:t>2/14/2023</a:t>
+              <a:t>3/7/2023</a:t>
             </a:fld>
             <a:endParaRPr lang="en-US"/>
           </a:p>
@@ -2788,7 +2788,7 @@
           <a:p>
             <a:fld id="{BD26212E-B46B-426F-AE59-AA326827D9E0}" type="datetime1">
               <a:rPr lang="en-US" smtClean="0"/>
-              <a:t>2/14/2023</a:t>
+              <a:t>3/7/2023</a:t>
             </a:fld>
             <a:endParaRPr lang="en-US"/>
           </a:p>
@@ -3063,7 +3063,7 @@
           <a:p>
             <a:fld id="{FB9B81E8-09EA-4684-A39F-38DE1E49D20C}" type="datetime1">
               <a:rPr lang="en-US" smtClean="0"/>
-              <a:t>2/14/2023</a:t>
+              <a:t>3/7/2023</a:t>
             </a:fld>
             <a:endParaRPr lang="en-US"/>
           </a:p>
@@ -3315,7 +3315,7 @@
           <a:p>
             <a:fld id="{35C5CC5F-056C-4047-9A5C-9F5B4BED129B}" type="datetime1">
               <a:rPr lang="en-US" smtClean="0"/>
-              <a:t>2/14/2023</a:t>
+              <a:t>3/7/2023</a:t>
             </a:fld>
             <a:endParaRPr lang="en-US"/>
           </a:p>
@@ -3529,7 +3529,7 @@
           <a:p>
             <a:fld id="{E8171053-07BD-4A17-AC24-0A22EAA36098}" type="datetime1">
               <a:rPr lang="en-US" smtClean="0"/>
-              <a:t>2/14/2023</a:t>
+              <a:t>3/7/2023</a:t>
             </a:fld>
             <a:endParaRPr lang="en-US"/>
           </a:p>
@@ -6077,7 +6077,21 @@
                 <a:latin typeface="Courier New" panose="02070309020205020404" pitchFamily="49" charset="0"/>
                 <a:cs typeface="Courier New" panose="02070309020205020404" pitchFamily="49" charset="0"/>
               </a:rPr>
-              <a:t>, weights=Freq, family="binomial")</a:t>
+              <a:t>, </a:t>
+            </a:r>
+            <a:r>
+              <a:rPr lang="en-CA" sz="1600" b="1" dirty="0">
+                <a:latin typeface="Courier New" panose="02070309020205020404" pitchFamily="49" charset="0"/>
+                <a:cs typeface="Courier New" panose="02070309020205020404" pitchFamily="49" charset="0"/>
+              </a:rPr>
+              <a:t>weights=Freq</a:t>
+            </a:r>
+            <a:r>
+              <a:rPr lang="en-CA" sz="1600" dirty="0">
+                <a:latin typeface="Courier New" panose="02070309020205020404" pitchFamily="49" charset="0"/>
+                <a:cs typeface="Courier New" panose="02070309020205020404" pitchFamily="49" charset="0"/>
+              </a:rPr>
+              <a:t>, family="binomial")</a:t>
             </a:r>
           </a:p>
           <a:p>
@@ -6534,7 +6548,21 @@
                 <a:latin typeface="Courier New" panose="02070309020205020404" pitchFamily="49" charset="0"/>
                 <a:cs typeface="Courier New" panose="02070309020205020404" pitchFamily="49" charset="0"/>
               </a:rPr>
-              <a:t>                 fit=predict(berk.logit2))</a:t>
+              <a:t>                 fit=</a:t>
+            </a:r>
+            <a:r>
+              <a:rPr lang="en-CA" sz="1600" b="1" dirty="0">
+                <a:latin typeface="Courier New" panose="02070309020205020404" pitchFamily="49" charset="0"/>
+                <a:cs typeface="Courier New" panose="02070309020205020404" pitchFamily="49" charset="0"/>
+              </a:rPr>
+              <a:t>predict</a:t>
+            </a:r>
+            <a:r>
+              <a:rPr lang="en-CA" sz="1600" dirty="0">
+                <a:latin typeface="Courier New" panose="02070309020205020404" pitchFamily="49" charset="0"/>
+                <a:cs typeface="Courier New" panose="02070309020205020404" pitchFamily="49" charset="0"/>
+              </a:rPr>
+              <a:t>(berk.logit2))</a:t>
             </a:r>
           </a:p>
           <a:p>
@@ -6983,6 +7011,53 @@
           </a:p>
         </p:txBody>
       </p:sp>
+      <p:sp>
+        <p:nvSpPr>
+          <p:cNvPr id="2" name="Oval 1">
+            <a:extLst>
+              <a:ext uri="{FF2B5EF4-FFF2-40B4-BE49-F238E27FC236}">
+                <a16:creationId xmlns:a16="http://schemas.microsoft.com/office/drawing/2014/main" id="{44F23F08-4BDF-CC37-2FB7-54A5D8B9A546}"/>
+              </a:ext>
+            </a:extLst>
+          </p:cNvPr>
+          <p:cNvSpPr/>
+          <p:nvPr/>
+        </p:nvSpPr>
+        <p:spPr>
+          <a:xfrm>
+            <a:off x="1219200" y="1905000"/>
+            <a:ext cx="457200" cy="365125"/>
+          </a:xfrm>
+          <a:prstGeom prst="ellipse">
+            <a:avLst/>
+          </a:prstGeom>
+          <a:noFill/>
+        </p:spPr>
+        <p:style>
+          <a:lnRef idx="2">
+            <a:schemeClr val="accent1">
+              <a:shade val="50000"/>
+            </a:schemeClr>
+          </a:lnRef>
+          <a:fillRef idx="1">
+            <a:schemeClr val="accent1"/>
+          </a:fillRef>
+          <a:effectRef idx="0">
+            <a:schemeClr val="accent1"/>
+          </a:effectRef>
+          <a:fontRef idx="minor">
+            <a:schemeClr val="lt1"/>
+          </a:fontRef>
+        </p:style>
+        <p:txBody>
+          <a:bodyPr rtlCol="0" anchor="ctr"/>
+          <a:lstStyle/>
+          <a:p>
+            <a:pPr algn="ctr"/>
+            <a:endParaRPr lang="en-CA"/>
+          </a:p>
+        </p:txBody>
+      </p:sp>
     </p:spTree>
     <p:extLst>
       <p:ext uri="{BB962C8B-B14F-4D97-AF65-F5344CB8AC3E}">
@@ -6993,6 +7068,161 @@
   <p:clrMapOvr>
     <a:masterClrMapping/>
   </p:clrMapOvr>
+  <p:timing>
+    <p:tnLst>
+      <p:par>
+        <p:cTn id="1" dur="indefinite" restart="never" nodeType="tmRoot">
+          <p:childTnLst>
+            <p:seq concurrent="1" nextAc="seek">
+              <p:cTn id="2" dur="indefinite" nodeType="mainSeq">
+                <p:childTnLst>
+                  <p:par>
+                    <p:cTn id="3" fill="hold">
+                      <p:stCondLst>
+                        <p:cond delay="indefinite"/>
+                      </p:stCondLst>
+                      <p:childTnLst>
+                        <p:par>
+                          <p:cTn id="4" fill="hold">
+                            <p:stCondLst>
+                              <p:cond delay="0"/>
+                            </p:stCondLst>
+                            <p:childTnLst>
+                              <p:par>
+                                <p:cTn id="5" presetID="1" presetClass="entr" presetSubtype="0" fill="hold" nodeType="clickEffect">
+                                  <p:stCondLst>
+                                    <p:cond delay="0"/>
+                                  </p:stCondLst>
+                                  <p:childTnLst>
+                                    <p:set>
+                                      <p:cBhvr>
+                                        <p:cTn id="6" dur="1" fill="hold">
+                                          <p:stCondLst>
+                                            <p:cond delay="0"/>
+                                          </p:stCondLst>
+                                        </p:cTn>
+                                        <p:tgtEl>
+                                          <p:spTgt spid="7">
+                                            <p:txEl>
+                                              <p:pRg st="4" end="4"/>
+                                            </p:txEl>
+                                          </p:spTgt>
+                                        </p:tgtEl>
+                                        <p:attrNameLst>
+                                          <p:attrName>style.visibility</p:attrName>
+                                        </p:attrNameLst>
+                                      </p:cBhvr>
+                                      <p:to>
+                                        <p:strVal val="visible"/>
+                                      </p:to>
+                                    </p:set>
+                                  </p:childTnLst>
+                                </p:cTn>
+                              </p:par>
+                              <p:par>
+                                <p:cTn id="7" presetID="2" presetClass="entr" presetSubtype="8" fill="hold" grpId="0" nodeType="withEffect">
+                                  <p:stCondLst>
+                                    <p:cond delay="750"/>
+                                  </p:stCondLst>
+                                  <p:childTnLst>
+                                    <p:set>
+                                      <p:cBhvr>
+                                        <p:cTn id="8" dur="1" fill="hold">
+                                          <p:stCondLst>
+                                            <p:cond delay="0"/>
+                                          </p:stCondLst>
+                                        </p:cTn>
+                                        <p:tgtEl>
+                                          <p:spTgt spid="2"/>
+                                        </p:tgtEl>
+                                        <p:attrNameLst>
+                                          <p:attrName>style.visibility</p:attrName>
+                                        </p:attrNameLst>
+                                      </p:cBhvr>
+                                      <p:to>
+                                        <p:strVal val="visible"/>
+                                      </p:to>
+                                    </p:set>
+                                    <p:anim calcmode="lin" valueType="num">
+                                      <p:cBhvr additive="base">
+                                        <p:cTn id="9" dur="500" fill="hold"/>
+                                        <p:tgtEl>
+                                          <p:spTgt spid="2"/>
+                                        </p:tgtEl>
+                                        <p:attrNameLst>
+                                          <p:attrName>ppt_x</p:attrName>
+                                        </p:attrNameLst>
+                                      </p:cBhvr>
+                                      <p:tavLst>
+                                        <p:tav tm="0">
+                                          <p:val>
+                                            <p:strVal val="0-#ppt_w/2"/>
+                                          </p:val>
+                                        </p:tav>
+                                        <p:tav tm="100000">
+                                          <p:val>
+                                            <p:strVal val="#ppt_x"/>
+                                          </p:val>
+                                        </p:tav>
+                                      </p:tavLst>
+                                    </p:anim>
+                                    <p:anim calcmode="lin" valueType="num">
+                                      <p:cBhvr additive="base">
+                                        <p:cTn id="10" dur="500" fill="hold"/>
+                                        <p:tgtEl>
+                                          <p:spTgt spid="2"/>
+                                        </p:tgtEl>
+                                        <p:attrNameLst>
+                                          <p:attrName>ppt_y</p:attrName>
+                                        </p:attrNameLst>
+                                      </p:cBhvr>
+                                      <p:tavLst>
+                                        <p:tav tm="0">
+                                          <p:val>
+                                            <p:strVal val="#ppt_y"/>
+                                          </p:val>
+                                        </p:tav>
+                                        <p:tav tm="100000">
+                                          <p:val>
+                                            <p:strVal val="#ppt_y"/>
+                                          </p:val>
+                                        </p:tav>
+                                      </p:tavLst>
+                                    </p:anim>
+                                  </p:childTnLst>
+                                </p:cTn>
+                              </p:par>
+                            </p:childTnLst>
+                          </p:cTn>
+                        </p:par>
+                      </p:childTnLst>
+                    </p:cTn>
+                  </p:par>
+                </p:childTnLst>
+              </p:cTn>
+              <p:prevCondLst>
+                <p:cond evt="onPrev" delay="0">
+                  <p:tgtEl>
+                    <p:sldTgt/>
+                  </p:tgtEl>
+                </p:cond>
+              </p:prevCondLst>
+              <p:nextCondLst>
+                <p:cond evt="onNext" delay="0">
+                  <p:tgtEl>
+                    <p:sldTgt/>
+                  </p:tgtEl>
+                </p:cond>
+              </p:nextCondLst>
+            </p:seq>
+          </p:childTnLst>
+        </p:cTn>
+      </p:par>
+    </p:tnLst>
+    <p:bldLst>
+      <p:bldP spid="2" grpId="0" animBg="1"/>
+    </p:bldLst>
+  </p:timing>
 </p:sld>
 </file>
 
@@ -13798,7 +14028,7 @@
         </p:blipFill>
         <p:spPr>
           <a:xfrm>
-            <a:off x="472000" y="1762419"/>
+            <a:off x="472000" y="1219200"/>
             <a:ext cx="8200000" cy="2352381"/>
           </a:xfrm>
           <a:prstGeom prst="rect">
@@ -13828,7 +14058,7 @@
         </p:blipFill>
         <p:spPr>
           <a:xfrm>
-            <a:off x="452120" y="4648200"/>
+            <a:off x="452120" y="3733800"/>
             <a:ext cx="8171428" cy="923810"/>
           </a:xfrm>
           <a:prstGeom prst="rect">
@@ -15597,24 +15827,98 @@
               <a:t> &lt;- </a:t>
             </a:r>
             <a:r>
+              <a:rPr lang="en-US" sz="1400" b="1" dirty="0" err="1">
+                <a:latin typeface="Courier New" panose="02070309020205020404" pitchFamily="49" charset="0"/>
+                <a:cs typeface="Courier New" panose="02070309020205020404" pitchFamily="49" charset="0"/>
+              </a:rPr>
+              <a:t>gnm</a:t>
+            </a:r>
+            <a:r>
+              <a:rPr lang="en-US" sz="1400" dirty="0">
+                <a:latin typeface="Courier New" panose="02070309020205020404" pitchFamily="49" charset="0"/>
+                <a:cs typeface="Courier New" panose="02070309020205020404" pitchFamily="49" charset="0"/>
+              </a:rPr>
+              <a:t>(Freq ~ mental + </a:t>
+            </a:r>
+            <a:r>
               <a:rPr lang="en-US" sz="1400" dirty="0" err="1">
                 <a:latin typeface="Courier New" panose="02070309020205020404" pitchFamily="49" charset="0"/>
                 <a:cs typeface="Courier New" panose="02070309020205020404" pitchFamily="49" charset="0"/>
               </a:rPr>
-              <a:t>gnm</a:t>
+              <a:t>ses</a:t>
             </a:r>
             <a:r>
               <a:rPr lang="en-US" sz="1400" dirty="0">
                 <a:latin typeface="Courier New" panose="02070309020205020404" pitchFamily="49" charset="0"/>
                 <a:cs typeface="Courier New" panose="02070309020205020404" pitchFamily="49" charset="0"/>
               </a:rPr>
-              <a:t>(Freq ~ mental + </a:t>
+              <a:t>,</a:t>
+            </a:r>
+          </a:p>
+          <a:p>
+            <a:r>
+              <a:rPr lang="en-US" sz="1400" dirty="0">
+                <a:latin typeface="Courier New" panose="02070309020205020404" pitchFamily="49" charset="0"/>
+                <a:cs typeface="Courier New" panose="02070309020205020404" pitchFamily="49" charset="0"/>
+              </a:rPr>
+              <a:t>               family = </a:t>
             </a:r>
             <a:r>
               <a:rPr lang="en-US" sz="1400" dirty="0" err="1">
                 <a:latin typeface="Courier New" panose="02070309020205020404" pitchFamily="49" charset="0"/>
                 <a:cs typeface="Courier New" panose="02070309020205020404" pitchFamily="49" charset="0"/>
               </a:rPr>
+              <a:t>poisson</a:t>
+            </a:r>
+            <a:r>
+              <a:rPr lang="en-US" sz="1400" dirty="0">
+                <a:latin typeface="Courier New" panose="02070309020205020404" pitchFamily="49" charset="0"/>
+                <a:cs typeface="Courier New" panose="02070309020205020404" pitchFamily="49" charset="0"/>
+              </a:rPr>
+              <a:t>, data = Mental, verbose=FALSE)</a:t>
+            </a:r>
+          </a:p>
+          <a:p>
+            <a:r>
+              <a:rPr lang="en-US" sz="1400" dirty="0">
+                <a:latin typeface="Courier New" panose="02070309020205020404" pitchFamily="49" charset="0"/>
+                <a:cs typeface="Courier New" panose="02070309020205020404" pitchFamily="49" charset="0"/>
+              </a:rPr>
+              <a:t>&gt; RC1 &lt;- update(</a:t>
+            </a:r>
+            <a:r>
+              <a:rPr lang="en-US" sz="1400" dirty="0" err="1">
+                <a:latin typeface="Courier New" panose="02070309020205020404" pitchFamily="49" charset="0"/>
+                <a:cs typeface="Courier New" panose="02070309020205020404" pitchFamily="49" charset="0"/>
+              </a:rPr>
+              <a:t>indep</a:t>
+            </a:r>
+            <a:r>
+              <a:rPr lang="en-US" sz="1400" dirty="0">
+                <a:latin typeface="Courier New" panose="02070309020205020404" pitchFamily="49" charset="0"/>
+                <a:cs typeface="Courier New" panose="02070309020205020404" pitchFamily="49" charset="0"/>
+              </a:rPr>
+              <a:t>, . ~ . + </a:t>
+            </a:r>
+            <a:r>
+              <a:rPr lang="en-US" sz="1400" b="1" dirty="0" err="1">
+                <a:latin typeface="Courier New" panose="02070309020205020404" pitchFamily="49" charset="0"/>
+                <a:cs typeface="Courier New" panose="02070309020205020404" pitchFamily="49" charset="0"/>
+              </a:rPr>
+              <a:t>Mult</a:t>
+            </a:r>
+            <a:r>
+              <a:rPr lang="en-US" sz="1400" dirty="0">
+                <a:latin typeface="Courier New" panose="02070309020205020404" pitchFamily="49" charset="0"/>
+                <a:cs typeface="Courier New" panose="02070309020205020404" pitchFamily="49" charset="0"/>
+              </a:rPr>
+              <a:t>(mental, </a:t>
+            </a:r>
+            <a:r>
+              <a:rPr lang="en-US" sz="1400" dirty="0" err="1">
+                <a:latin typeface="Courier New" panose="02070309020205020404" pitchFamily="49" charset="0"/>
+                <a:cs typeface="Courier New" panose="02070309020205020404" pitchFamily="49" charset="0"/>
+              </a:rPr>
               <a:t>ses</a:t>
             </a:r>
             <a:r>
@@ -15622,7 +15926,7 @@
                 <a:latin typeface="Courier New" panose="02070309020205020404" pitchFamily="49" charset="0"/>
                 <a:cs typeface="Courier New" panose="02070309020205020404" pitchFamily="49" charset="0"/>
               </a:rPr>
-              <a:t>,</a:t>
+              <a:t>))</a:t>
             </a:r>
           </a:p>
           <a:p>
@@ -15631,98 +15935,31 @@
                 <a:latin typeface="Courier New" panose="02070309020205020404" pitchFamily="49" charset="0"/>
                 <a:cs typeface="Courier New" panose="02070309020205020404" pitchFamily="49" charset="0"/>
               </a:rPr>
-              <a:t>               family = </a:t>
+              <a:t>&gt; RC2 &lt;- update(</a:t>
             </a:r>
             <a:r>
               <a:rPr lang="en-US" sz="1400" dirty="0" err="1">
                 <a:latin typeface="Courier New" panose="02070309020205020404" pitchFamily="49" charset="0"/>
                 <a:cs typeface="Courier New" panose="02070309020205020404" pitchFamily="49" charset="0"/>
               </a:rPr>
-              <a:t>poisson</a:t>
+              <a:t>indep</a:t>
             </a:r>
             <a:r>
               <a:rPr lang="en-US" sz="1400" dirty="0">
                 <a:latin typeface="Courier New" panose="02070309020205020404" pitchFamily="49" charset="0"/>
                 <a:cs typeface="Courier New" panose="02070309020205020404" pitchFamily="49" charset="0"/>
               </a:rPr>
-              <a:t>, data = Mental, verbose=FALSE)</a:t>
-            </a:r>
-          </a:p>
-          <a:p>
-            <a:r>
-              <a:rPr lang="en-US" sz="1400" dirty="0">
-                <a:latin typeface="Courier New" panose="02070309020205020404" pitchFamily="49" charset="0"/>
-                <a:cs typeface="Courier New" panose="02070309020205020404" pitchFamily="49" charset="0"/>
-              </a:rPr>
-              <a:t>&gt; RC1 &lt;- update(</a:t>
-            </a:r>
-            <a:r>
-              <a:rPr lang="en-US" sz="1400" dirty="0" err="1">
-                <a:latin typeface="Courier New" panose="02070309020205020404" pitchFamily="49" charset="0"/>
-                <a:cs typeface="Courier New" panose="02070309020205020404" pitchFamily="49" charset="0"/>
-              </a:rPr>
-              <a:t>indep</a:t>
-            </a:r>
-            <a:r>
-              <a:rPr lang="en-US" sz="1400" dirty="0">
-                <a:latin typeface="Courier New" panose="02070309020205020404" pitchFamily="49" charset="0"/>
-                <a:cs typeface="Courier New" panose="02070309020205020404" pitchFamily="49" charset="0"/>
-              </a:rPr>
               <a:t>, . ~ . + </a:t>
             </a:r>
             <a:r>
-              <a:rPr lang="en-US" sz="1400" dirty="0" err="1">
-                <a:latin typeface="Courier New" panose="02070309020205020404" pitchFamily="49" charset="0"/>
-                <a:cs typeface="Courier New" panose="02070309020205020404" pitchFamily="49" charset="0"/>
-              </a:rPr>
-              <a:t>Mult</a:t>
-            </a:r>
-            <a:r>
-              <a:rPr lang="en-US" sz="1400" dirty="0">
-                <a:latin typeface="Courier New" panose="02070309020205020404" pitchFamily="49" charset="0"/>
-                <a:cs typeface="Courier New" panose="02070309020205020404" pitchFamily="49" charset="0"/>
-              </a:rPr>
-              <a:t>(mental, </a:t>
-            </a:r>
-            <a:r>
-              <a:rPr lang="en-US" sz="1400" dirty="0" err="1">
-                <a:latin typeface="Courier New" panose="02070309020205020404" pitchFamily="49" charset="0"/>
-                <a:cs typeface="Courier New" panose="02070309020205020404" pitchFamily="49" charset="0"/>
-              </a:rPr>
-              <a:t>ses</a:t>
-            </a:r>
-            <a:r>
-              <a:rPr lang="en-US" sz="1400" dirty="0">
-                <a:latin typeface="Courier New" panose="02070309020205020404" pitchFamily="49" charset="0"/>
-                <a:cs typeface="Courier New" panose="02070309020205020404" pitchFamily="49" charset="0"/>
-              </a:rPr>
-              <a:t>))</a:t>
-            </a:r>
-          </a:p>
-          <a:p>
-            <a:r>
-              <a:rPr lang="en-US" sz="1400" dirty="0">
-                <a:latin typeface="Courier New" panose="02070309020205020404" pitchFamily="49" charset="0"/>
-                <a:cs typeface="Courier New" panose="02070309020205020404" pitchFamily="49" charset="0"/>
-              </a:rPr>
-              <a:t>&gt; RC2 &lt;- update(</a:t>
-            </a:r>
-            <a:r>
-              <a:rPr lang="en-US" sz="1400" dirty="0" err="1">
-                <a:latin typeface="Courier New" panose="02070309020205020404" pitchFamily="49" charset="0"/>
-                <a:cs typeface="Courier New" panose="02070309020205020404" pitchFamily="49" charset="0"/>
-              </a:rPr>
-              <a:t>indep</a:t>
-            </a:r>
-            <a:r>
-              <a:rPr lang="en-US" sz="1400" dirty="0">
-                <a:latin typeface="Courier New" panose="02070309020205020404" pitchFamily="49" charset="0"/>
-                <a:cs typeface="Courier New" panose="02070309020205020404" pitchFamily="49" charset="0"/>
-              </a:rPr>
-              <a:t>, . ~ . + instances(</a:t>
-            </a:r>
-            <a:r>
-              <a:rPr lang="en-US" sz="1400" dirty="0" err="1">
+              <a:rPr lang="en-US" sz="1400" b="1" dirty="0">
+                <a:latin typeface="Courier New" panose="02070309020205020404" pitchFamily="49" charset="0"/>
+                <a:cs typeface="Courier New" panose="02070309020205020404" pitchFamily="49" charset="0"/>
+              </a:rPr>
+              <a:t>instances(</a:t>
+            </a:r>
+            <a:r>
+              <a:rPr lang="en-US" sz="1400" b="1" dirty="0" err="1">
                 <a:latin typeface="Courier New" panose="02070309020205020404" pitchFamily="49" charset="0"/>
                 <a:cs typeface="Courier New" panose="02070309020205020404" pitchFamily="49" charset="0"/>
               </a:rPr>
@@ -18759,6 +18996,165 @@
   <p:clrMapOvr>
     <a:masterClrMapping/>
   </p:clrMapOvr>
+  <p:timing>
+    <p:tnLst>
+      <p:par>
+        <p:cTn id="1" dur="indefinite" restart="never" nodeType="tmRoot">
+          <p:childTnLst>
+            <p:seq concurrent="1" nextAc="seek">
+              <p:cTn id="2" dur="indefinite" nodeType="mainSeq">
+                <p:childTnLst>
+                  <p:par>
+                    <p:cTn id="3" fill="hold">
+                      <p:stCondLst>
+                        <p:cond delay="indefinite"/>
+                      </p:stCondLst>
+                      <p:childTnLst>
+                        <p:par>
+                          <p:cTn id="4" fill="hold">
+                            <p:stCondLst>
+                              <p:cond delay="0"/>
+                            </p:stCondLst>
+                            <p:childTnLst>
+                              <p:par>
+                                <p:cTn id="5" presetID="1" presetClass="entr" presetSubtype="0" fill="hold" nodeType="clickEffect">
+                                  <p:stCondLst>
+                                    <p:cond delay="0"/>
+                                  </p:stCondLst>
+                                  <p:childTnLst>
+                                    <p:set>
+                                      <p:cBhvr>
+                                        <p:cTn id="6" dur="1" fill="hold">
+                                          <p:stCondLst>
+                                            <p:cond delay="0"/>
+                                          </p:stCondLst>
+                                        </p:cTn>
+                                        <p:tgtEl>
+                                          <p:spTgt spid="4">
+                                            <p:txEl>
+                                              <p:pRg st="2" end="2"/>
+                                            </p:txEl>
+                                          </p:spTgt>
+                                        </p:tgtEl>
+                                        <p:attrNameLst>
+                                          <p:attrName>style.visibility</p:attrName>
+                                        </p:attrNameLst>
+                                      </p:cBhvr>
+                                      <p:to>
+                                        <p:strVal val="visible"/>
+                                      </p:to>
+                                    </p:set>
+                                  </p:childTnLst>
+                                </p:cTn>
+                              </p:par>
+                              <p:par>
+                                <p:cTn id="7" presetID="1" presetClass="entr" presetSubtype="0" fill="hold" nodeType="withEffect">
+                                  <p:stCondLst>
+                                    <p:cond delay="0"/>
+                                  </p:stCondLst>
+                                  <p:childTnLst>
+                                    <p:set>
+                                      <p:cBhvr>
+                                        <p:cTn id="8" dur="1" fill="hold">
+                                          <p:stCondLst>
+                                            <p:cond delay="0"/>
+                                          </p:stCondLst>
+                                        </p:cTn>
+                                        <p:tgtEl>
+                                          <p:spTgt spid="4">
+                                            <p:txEl>
+                                              <p:pRg st="3" end="3"/>
+                                            </p:txEl>
+                                          </p:spTgt>
+                                        </p:tgtEl>
+                                        <p:attrNameLst>
+                                          <p:attrName>style.visibility</p:attrName>
+                                        </p:attrNameLst>
+                                      </p:cBhvr>
+                                      <p:to>
+                                        <p:strVal val="visible"/>
+                                      </p:to>
+                                    </p:set>
+                                  </p:childTnLst>
+                                </p:cTn>
+                              </p:par>
+                            </p:childTnLst>
+                          </p:cTn>
+                        </p:par>
+                      </p:childTnLst>
+                    </p:cTn>
+                  </p:par>
+                  <p:par>
+                    <p:cTn id="9" fill="hold">
+                      <p:stCondLst>
+                        <p:cond delay="indefinite"/>
+                      </p:stCondLst>
+                      <p:childTnLst>
+                        <p:par>
+                          <p:cTn id="10" fill="hold">
+                            <p:stCondLst>
+                              <p:cond delay="0"/>
+                            </p:stCondLst>
+                            <p:childTnLst>
+                              <p:par>
+                                <p:cTn id="11" presetID="1" presetClass="entr" presetSubtype="0" fill="hold" nodeType="clickEffect">
+                                  <p:stCondLst>
+                                    <p:cond delay="0"/>
+                                  </p:stCondLst>
+                                  <p:childTnLst>
+                                    <p:set>
+                                      <p:cBhvr>
+                                        <p:cTn id="12" dur="1" fill="hold">
+                                          <p:stCondLst>
+                                            <p:cond delay="0"/>
+                                          </p:stCondLst>
+                                        </p:cTn>
+                                        <p:tgtEl>
+                                          <p:spTgt spid="4">
+                                            <p:txEl>
+                                              <p:pRg st="4" end="4"/>
+                                            </p:txEl>
+                                          </p:spTgt>
+                                        </p:tgtEl>
+                                        <p:attrNameLst>
+                                          <p:attrName>style.visibility</p:attrName>
+                                        </p:attrNameLst>
+                                      </p:cBhvr>
+                                      <p:to>
+                                        <p:strVal val="visible"/>
+                                      </p:to>
+                                    </p:set>
+                                  </p:childTnLst>
+                                </p:cTn>
+                              </p:par>
+                            </p:childTnLst>
+                          </p:cTn>
+                        </p:par>
+                      </p:childTnLst>
+                    </p:cTn>
+                  </p:par>
+                </p:childTnLst>
+              </p:cTn>
+              <p:prevCondLst>
+                <p:cond evt="onPrev" delay="0">
+                  <p:tgtEl>
+                    <p:sldTgt/>
+                  </p:tgtEl>
+                </p:cond>
+              </p:prevCondLst>
+              <p:nextCondLst>
+                <p:cond evt="onNext" delay="0">
+                  <p:tgtEl>
+                    <p:sldTgt/>
+                  </p:tgtEl>
+                </p:cond>
+              </p:nextCondLst>
+            </p:seq>
+          </p:childTnLst>
+        </p:cTn>
+      </p:par>
+    </p:tnLst>
+  </p:timing>
 </p:sld>
 </file>
 
@@ -19406,7 +19802,15 @@
             </a:r>
             <a:r>
               <a:rPr lang="en-US" dirty="0"/>
-              <a:t> tests or AIC, BIC</a:t>
+              <a:t> tests or AIC, BIC; </a:t>
+            </a:r>
+            <a:r>
+              <a:rPr lang="en-US" dirty="0" err="1"/>
+              <a:t>qsymm</a:t>
+            </a:r>
+            <a:r>
+              <a:rPr lang="en-US" dirty="0"/>
+              <a:t> is best by AIC, BIC</a:t>
             </a:r>
           </a:p>
         </p:txBody>
@@ -21180,22 +21584,66 @@
           <a:p>
             <a:r>
               <a:rPr lang="en-US" dirty="0"/>
-              <a:t>See: demo(“</a:t>
-            </a:r>
-            <a:r>
-              <a:rPr lang="en-US" dirty="0" err="1"/>
+              <a:t>See: </a:t>
+            </a:r>
+            <a:r>
+              <a:rPr lang="en-US" dirty="0">
+                <a:solidFill>
+                  <a:schemeClr val="accent6">
+                    <a:lumMod val="50000"/>
+                  </a:schemeClr>
+                </a:solidFill>
+                <a:latin typeface="Courier New" panose="02070309020205020404" pitchFamily="49" charset="0"/>
+                <a:cs typeface="Courier New" panose="02070309020205020404" pitchFamily="49" charset="0"/>
+              </a:rPr>
+              <a:t>demo(“</a:t>
+            </a:r>
+            <a:r>
+              <a:rPr lang="en-US" dirty="0" err="1">
+                <a:solidFill>
+                  <a:schemeClr val="accent6">
+                    <a:lumMod val="50000"/>
+                  </a:schemeClr>
+                </a:solidFill>
+                <a:latin typeface="Courier New" panose="02070309020205020404" pitchFamily="49" charset="0"/>
+                <a:cs typeface="Courier New" panose="02070309020205020404" pitchFamily="49" charset="0"/>
+              </a:rPr>
               <a:t>yamaguchi-xie</a:t>
             </a:r>
             <a:r>
-              <a:rPr lang="en-US" dirty="0"/>
+              <a:rPr lang="en-US" dirty="0">
+                <a:solidFill>
+                  <a:schemeClr val="accent6">
+                    <a:lumMod val="50000"/>
+                  </a:schemeClr>
+                </a:solidFill>
+                <a:latin typeface="Courier New" panose="02070309020205020404" pitchFamily="49" charset="0"/>
+                <a:cs typeface="Courier New" panose="02070309020205020404" pitchFamily="49" charset="0"/>
+              </a:rPr>
               <a:t>”, package=“</a:t>
             </a:r>
             <a:r>
-              <a:rPr lang="en-US" dirty="0" err="1"/>
+              <a:rPr lang="en-US" dirty="0" err="1">
+                <a:solidFill>
+                  <a:schemeClr val="accent6">
+                    <a:lumMod val="50000"/>
+                  </a:schemeClr>
+                </a:solidFill>
+                <a:latin typeface="Courier New" panose="02070309020205020404" pitchFamily="49" charset="0"/>
+                <a:cs typeface="Courier New" panose="02070309020205020404" pitchFamily="49" charset="0"/>
+              </a:rPr>
               <a:t>vcdExtra</a:t>
             </a:r>
             <a:r>
-              <a:rPr lang="en-US" dirty="0"/>
+              <a:rPr lang="en-US" dirty="0">
+                <a:solidFill>
+                  <a:schemeClr val="accent6">
+                    <a:lumMod val="50000"/>
+                  </a:schemeClr>
+                </a:solidFill>
+                <a:latin typeface="Courier New" panose="02070309020205020404" pitchFamily="49" charset="0"/>
+                <a:cs typeface="Courier New" panose="02070309020205020404" pitchFamily="49" charset="0"/>
+              </a:rPr>
               <a:t>”)</a:t>
             </a:r>
           </a:p>
